--- a/Präsentation.pptx
+++ b/Präsentation.pptx
@@ -6,6 +6,10 @@
   </p:sldMasterIdLst>
   <p:sldIdLst>
     <p:sldId id="256" r:id="rId2"/>
+    <p:sldId id="257" r:id="rId3"/>
+    <p:sldId id="259" r:id="rId4"/>
+    <p:sldId id="261" r:id="rId5"/>
+    <p:sldId id="260" r:id="rId6"/>
   </p:sldIdLst>
   <p:sldSz cx="12192000" cy="6858000"/>
   <p:notesSz cx="6858000" cy="9144000"/>
@@ -104,6 +108,11 @@
       </a:defRPr>
     </a:lvl9pPr>
   </p:defaultTextStyle>
+  <p:extLst>
+    <p:ext uri="{EFAFB233-063F-42B5-8137-9DF3F51BA10A}">
+      <p15:sldGuideLst xmlns:p15="http://schemas.microsoft.com/office/powerpoint/2012/main"/>
+    </p:ext>
+  </p:extLst>
 </p:presentation>
 </file>
 
@@ -256,7 +265,7 @@
           <a:p>
             <a:fld id="{4DEC6639-9758-4212-B7F8-7D16CE469F06}" type="datetimeFigureOut">
               <a:rPr lang="de-AT" smtClean="0"/>
-              <a:t>25.04.2022</a:t>
+              <a:t>26.04.2022</a:t>
             </a:fld>
             <a:endParaRPr lang="de-AT"/>
           </a:p>
@@ -456,7 +465,7 @@
           <a:p>
             <a:fld id="{4DEC6639-9758-4212-B7F8-7D16CE469F06}" type="datetimeFigureOut">
               <a:rPr lang="de-AT" smtClean="0"/>
-              <a:t>25.04.2022</a:t>
+              <a:t>26.04.2022</a:t>
             </a:fld>
             <a:endParaRPr lang="de-AT"/>
           </a:p>
@@ -666,7 +675,7 @@
           <a:p>
             <a:fld id="{4DEC6639-9758-4212-B7F8-7D16CE469F06}" type="datetimeFigureOut">
               <a:rPr lang="de-AT" smtClean="0"/>
-              <a:t>25.04.2022</a:t>
+              <a:t>26.04.2022</a:t>
             </a:fld>
             <a:endParaRPr lang="de-AT"/>
           </a:p>
@@ -866,7 +875,7 @@
           <a:p>
             <a:fld id="{4DEC6639-9758-4212-B7F8-7D16CE469F06}" type="datetimeFigureOut">
               <a:rPr lang="de-AT" smtClean="0"/>
-              <a:t>25.04.2022</a:t>
+              <a:t>26.04.2022</a:t>
             </a:fld>
             <a:endParaRPr lang="de-AT"/>
           </a:p>
@@ -1142,7 +1151,7 @@
           <a:p>
             <a:fld id="{4DEC6639-9758-4212-B7F8-7D16CE469F06}" type="datetimeFigureOut">
               <a:rPr lang="de-AT" smtClean="0"/>
-              <a:t>25.04.2022</a:t>
+              <a:t>26.04.2022</a:t>
             </a:fld>
             <a:endParaRPr lang="de-AT"/>
           </a:p>
@@ -1410,7 +1419,7 @@
           <a:p>
             <a:fld id="{4DEC6639-9758-4212-B7F8-7D16CE469F06}" type="datetimeFigureOut">
               <a:rPr lang="de-AT" smtClean="0"/>
-              <a:t>25.04.2022</a:t>
+              <a:t>26.04.2022</a:t>
             </a:fld>
             <a:endParaRPr lang="de-AT"/>
           </a:p>
@@ -1825,7 +1834,7 @@
           <a:p>
             <a:fld id="{4DEC6639-9758-4212-B7F8-7D16CE469F06}" type="datetimeFigureOut">
               <a:rPr lang="de-AT" smtClean="0"/>
-              <a:t>25.04.2022</a:t>
+              <a:t>26.04.2022</a:t>
             </a:fld>
             <a:endParaRPr lang="de-AT"/>
           </a:p>
@@ -1967,7 +1976,7 @@
           <a:p>
             <a:fld id="{4DEC6639-9758-4212-B7F8-7D16CE469F06}" type="datetimeFigureOut">
               <a:rPr lang="de-AT" smtClean="0"/>
-              <a:t>25.04.2022</a:t>
+              <a:t>26.04.2022</a:t>
             </a:fld>
             <a:endParaRPr lang="de-AT"/>
           </a:p>
@@ -2080,7 +2089,7 @@
           <a:p>
             <a:fld id="{4DEC6639-9758-4212-B7F8-7D16CE469F06}" type="datetimeFigureOut">
               <a:rPr lang="de-AT" smtClean="0"/>
-              <a:t>25.04.2022</a:t>
+              <a:t>26.04.2022</a:t>
             </a:fld>
             <a:endParaRPr lang="de-AT"/>
           </a:p>
@@ -2393,7 +2402,7 @@
           <a:p>
             <a:fld id="{4DEC6639-9758-4212-B7F8-7D16CE469F06}" type="datetimeFigureOut">
               <a:rPr lang="de-AT" smtClean="0"/>
-              <a:t>25.04.2022</a:t>
+              <a:t>26.04.2022</a:t>
             </a:fld>
             <a:endParaRPr lang="de-AT"/>
           </a:p>
@@ -2682,7 +2691,7 @@
           <a:p>
             <a:fld id="{4DEC6639-9758-4212-B7F8-7D16CE469F06}" type="datetimeFigureOut">
               <a:rPr lang="de-AT" smtClean="0"/>
-              <a:t>25.04.2022</a:t>
+              <a:t>26.04.2022</a:t>
             </a:fld>
             <a:endParaRPr lang="de-AT"/>
           </a:p>
@@ -2925,7 +2934,7 @@
           <a:p>
             <a:fld id="{4DEC6639-9758-4212-B7F8-7D16CE469F06}" type="datetimeFigureOut">
               <a:rPr lang="de-AT" smtClean="0"/>
-              <a:t>25.04.2022</a:t>
+              <a:t>26.04.2022</a:t>
             </a:fld>
             <a:endParaRPr lang="de-AT"/>
           </a:p>
@@ -3328,6 +3337,14 @@
 <file path=ppt/slides/slide1.xml><?xml version="1.0" encoding="utf-8"?>
 <p:sld xmlns:a="http://schemas.openxmlformats.org/drawingml/2006/main" xmlns:r="http://schemas.openxmlformats.org/officeDocument/2006/relationships" xmlns:p="http://schemas.openxmlformats.org/presentationml/2006/main">
   <p:cSld>
+    <p:bg>
+      <p:bgPr>
+        <a:solidFill>
+          <a:schemeClr val="bg1"/>
+        </a:solidFill>
+        <a:effectLst/>
+      </p:bgPr>
+    </p:bg>
     <p:spTree>
       <p:nvGrpSpPr>
         <p:cNvPr id="1" name=""/>
@@ -3342,6 +3359,306 @@
           <a:chExt cx="0" cy="0"/>
         </a:xfrm>
       </p:grpSpPr>
+      <p:sp useBgFill="1">
+        <p:nvSpPr>
+          <p:cNvPr id="1030" name="Rectangle 72">
+            <a:extLst>
+              <a:ext uri="{FF2B5EF4-FFF2-40B4-BE49-F238E27FC236}">
+                <a16:creationId xmlns:a16="http://schemas.microsoft.com/office/drawing/2014/main" id="{8555C5B3-193A-4749-9AFD-682E53CDDE8F}"/>
+              </a:ext>
+              <a:ext uri="{C183D7F6-B498-43B3-948B-1728B52AA6E4}">
+                <adec:decorative xmlns:adec="http://schemas.microsoft.com/office/drawing/2017/decorative" val="1"/>
+              </a:ext>
+            </a:extLst>
+          </p:cNvPr>
+          <p:cNvSpPr>
+            <a:spLocks noGrp="1" noRot="1" noChangeAspect="1" noMove="1" noResize="1" noEditPoints="1" noAdjustHandles="1" noChangeArrowheads="1" noChangeShapeType="1" noTextEdit="1"/>
+          </p:cNvSpPr>
+          <p:nvPr>
+            <p:extLst>
+              <p:ext uri="{386F3935-93C4-4BCD-93E2-E3B085C9AB24}">
+                <p16:designElem xmlns:p16="http://schemas.microsoft.com/office/powerpoint/2015/main" val="1"/>
+              </p:ext>
+            </p:extLst>
+          </p:nvPr>
+        </p:nvSpPr>
+        <p:spPr>
+          <a:xfrm>
+            <a:off x="0" y="0"/>
+            <a:ext cx="12192000" cy="6858000"/>
+          </a:xfrm>
+          <a:prstGeom prst="rect">
+            <a:avLst/>
+          </a:prstGeom>
+          <a:ln w="12700" cap="flat" cmpd="sng" algn="ctr">
+            <a:noFill/>
+            <a:prstDash val="solid"/>
+            <a:miter lim="800000"/>
+          </a:ln>
+          <a:effectLst/>
+          <a:extLst>
+            <a:ext uri="{91240B29-F687-4F45-9708-019B960494DF}">
+              <a14:hiddenLine xmlns:a14="http://schemas.microsoft.com/office/drawing/2010/main" w="12700" cap="flat" cmpd="sng" algn="ctr">
+                <a:solidFill>
+                  <a:schemeClr val="accent1">
+                    <a:shade val="50000"/>
+                  </a:schemeClr>
+                </a:solidFill>
+                <a:prstDash val="solid"/>
+                <a:miter lim="800000"/>
+              </a14:hiddenLine>
+            </a:ext>
+          </a:extLst>
+        </p:spPr>
+        <p:style>
+          <a:lnRef idx="2">
+            <a:schemeClr val="accent1">
+              <a:shade val="50000"/>
+            </a:schemeClr>
+          </a:lnRef>
+          <a:fillRef idx="1">
+            <a:schemeClr val="accent1"/>
+          </a:fillRef>
+          <a:effectRef idx="0">
+            <a:schemeClr val="accent1"/>
+          </a:effectRef>
+          <a:fontRef idx="minor">
+            <a:schemeClr val="lt1"/>
+          </a:fontRef>
+        </p:style>
+        <p:txBody>
+          <a:bodyPr rtlCol="0" anchor="ctr"/>
+          <a:lstStyle/>
+          <a:p>
+            <a:pPr algn="ctr"/>
+            <a:endParaRPr lang="en-US" dirty="0"/>
+          </a:p>
+        </p:txBody>
+      </p:sp>
+      <p:sp>
+        <p:nvSpPr>
+          <p:cNvPr id="1031" name="Rectangle 74">
+            <a:extLst>
+              <a:ext uri="{FF2B5EF4-FFF2-40B4-BE49-F238E27FC236}">
+                <a16:creationId xmlns:a16="http://schemas.microsoft.com/office/drawing/2014/main" id="{2EAE06A6-F76A-41C9-827A-C561B004485C}"/>
+              </a:ext>
+              <a:ext uri="{C183D7F6-B498-43B3-948B-1728B52AA6E4}">
+                <adec:decorative xmlns:adec="http://schemas.microsoft.com/office/drawing/2017/decorative" val="1"/>
+              </a:ext>
+            </a:extLst>
+          </p:cNvPr>
+          <p:cNvSpPr>
+            <a:spLocks noGrp="1" noRot="1" noChangeAspect="1" noMove="1" noResize="1" noEditPoints="1" noAdjustHandles="1" noChangeArrowheads="1" noChangeShapeType="1" noTextEdit="1"/>
+          </p:cNvSpPr>
+          <p:nvPr>
+            <p:extLst>
+              <p:ext uri="{386F3935-93C4-4BCD-93E2-E3B085C9AB24}">
+                <p16:designElem xmlns:p16="http://schemas.microsoft.com/office/powerpoint/2015/main" val="1"/>
+              </p:ext>
+            </p:extLst>
+          </p:nvPr>
+        </p:nvSpPr>
+        <p:spPr>
+          <a:xfrm flipH="1">
+            <a:off x="0" y="-3"/>
+            <a:ext cx="12192000" cy="6858000"/>
+          </a:xfrm>
+          <a:prstGeom prst="rect">
+            <a:avLst/>
+          </a:prstGeom>
+          <a:gradFill>
+            <a:gsLst>
+              <a:gs pos="0">
+                <a:srgbClr val="000000"/>
+              </a:gs>
+              <a:gs pos="100000">
+                <a:schemeClr val="accent1">
+                  <a:lumMod val="75000"/>
+                </a:schemeClr>
+              </a:gs>
+            </a:gsLst>
+            <a:lin ang="6600000" scaled="0"/>
+          </a:gradFill>
+          <a:ln>
+            <a:noFill/>
+          </a:ln>
+        </p:spPr>
+        <p:style>
+          <a:lnRef idx="2">
+            <a:schemeClr val="accent1">
+              <a:shade val="50000"/>
+            </a:schemeClr>
+          </a:lnRef>
+          <a:fillRef idx="1">
+            <a:schemeClr val="accent1"/>
+          </a:fillRef>
+          <a:effectRef idx="0">
+            <a:schemeClr val="accent1"/>
+          </a:effectRef>
+          <a:fontRef idx="minor">
+            <a:schemeClr val="lt1"/>
+          </a:fontRef>
+        </p:style>
+        <p:txBody>
+          <a:bodyPr rtlCol="0" anchor="ctr"/>
+          <a:lstStyle/>
+          <a:p>
+            <a:pPr algn="ctr"/>
+            <a:endParaRPr lang="en-US" dirty="0"/>
+          </a:p>
+        </p:txBody>
+      </p:sp>
+      <p:sp>
+        <p:nvSpPr>
+          <p:cNvPr id="1032" name="Rectangle 76">
+            <a:extLst>
+              <a:ext uri="{FF2B5EF4-FFF2-40B4-BE49-F238E27FC236}">
+                <a16:creationId xmlns:a16="http://schemas.microsoft.com/office/drawing/2014/main" id="{89F9D4E8-0639-444B-949B-9518585061AF}"/>
+              </a:ext>
+              <a:ext uri="{C183D7F6-B498-43B3-948B-1728B52AA6E4}">
+                <adec:decorative xmlns:adec="http://schemas.microsoft.com/office/drawing/2017/decorative" val="1"/>
+              </a:ext>
+            </a:extLst>
+          </p:cNvPr>
+          <p:cNvSpPr>
+            <a:spLocks noGrp="1" noRot="1" noChangeAspect="1" noMove="1" noResize="1" noEditPoints="1" noAdjustHandles="1" noChangeArrowheads="1" noChangeShapeType="1" noTextEdit="1"/>
+          </p:cNvSpPr>
+          <p:nvPr>
+            <p:extLst>
+              <p:ext uri="{386F3935-93C4-4BCD-93E2-E3B085C9AB24}">
+                <p16:designElem xmlns:p16="http://schemas.microsoft.com/office/powerpoint/2015/main" val="1"/>
+              </p:ext>
+            </p:extLst>
+          </p:nvPr>
+        </p:nvSpPr>
+        <p:spPr>
+          <a:xfrm flipH="1">
+            <a:off x="480861" y="0"/>
+            <a:ext cx="7661934" cy="6858000"/>
+          </a:xfrm>
+          <a:prstGeom prst="rect">
+            <a:avLst/>
+          </a:prstGeom>
+          <a:gradFill>
+            <a:gsLst>
+              <a:gs pos="0">
+                <a:schemeClr val="accent1">
+                  <a:lumMod val="75000"/>
+                  <a:alpha val="45000"/>
+                </a:schemeClr>
+              </a:gs>
+              <a:gs pos="100000">
+                <a:srgbClr val="000000">
+                  <a:alpha val="29000"/>
+                </a:srgbClr>
+              </a:gs>
+            </a:gsLst>
+            <a:lin ang="12000000" scaled="0"/>
+          </a:gradFill>
+          <a:ln>
+            <a:noFill/>
+          </a:ln>
+        </p:spPr>
+        <p:style>
+          <a:lnRef idx="2">
+            <a:schemeClr val="accent1">
+              <a:shade val="50000"/>
+            </a:schemeClr>
+          </a:lnRef>
+          <a:fillRef idx="1">
+            <a:schemeClr val="accent1"/>
+          </a:fillRef>
+          <a:effectRef idx="0">
+            <a:schemeClr val="accent1"/>
+          </a:effectRef>
+          <a:fontRef idx="minor">
+            <a:schemeClr val="lt1"/>
+          </a:fontRef>
+        </p:style>
+        <p:txBody>
+          <a:bodyPr rtlCol="0" anchor="ctr"/>
+          <a:lstStyle/>
+          <a:p>
+            <a:pPr algn="ctr"/>
+            <a:endParaRPr lang="en-US" dirty="0"/>
+          </a:p>
+        </p:txBody>
+      </p:sp>
+      <p:sp>
+        <p:nvSpPr>
+          <p:cNvPr id="1033" name="Rectangle 78">
+            <a:extLst>
+              <a:ext uri="{FF2B5EF4-FFF2-40B4-BE49-F238E27FC236}">
+                <a16:creationId xmlns:a16="http://schemas.microsoft.com/office/drawing/2014/main" id="{7E3DA7A2-ED70-4BBA-AB72-00AD461FA405}"/>
+              </a:ext>
+              <a:ext uri="{C183D7F6-B498-43B3-948B-1728B52AA6E4}">
+                <adec:decorative xmlns:adec="http://schemas.microsoft.com/office/drawing/2017/decorative" val="1"/>
+              </a:ext>
+            </a:extLst>
+          </p:cNvPr>
+          <p:cNvSpPr>
+            <a:spLocks noGrp="1" noRot="1" noChangeAspect="1" noMove="1" noResize="1" noEditPoints="1" noAdjustHandles="1" noChangeArrowheads="1" noChangeShapeType="1" noTextEdit="1"/>
+          </p:cNvSpPr>
+          <p:nvPr>
+            <p:extLst>
+              <p:ext uri="{386F3935-93C4-4BCD-93E2-E3B085C9AB24}">
+                <p16:designElem xmlns:p16="http://schemas.microsoft.com/office/powerpoint/2015/main" val="1"/>
+              </p:ext>
+            </p:extLst>
+          </p:nvPr>
+        </p:nvSpPr>
+        <p:spPr>
+          <a:xfrm rot="10800000" flipH="1">
+            <a:off x="480862" y="-6"/>
+            <a:ext cx="11711138" cy="6410334"/>
+          </a:xfrm>
+          <a:prstGeom prst="rect">
+            <a:avLst/>
+          </a:prstGeom>
+          <a:gradFill>
+            <a:gsLst>
+              <a:gs pos="0">
+                <a:schemeClr val="accent1">
+                  <a:alpha val="0"/>
+                </a:schemeClr>
+              </a:gs>
+              <a:gs pos="100000">
+                <a:srgbClr val="000000">
+                  <a:alpha val="41000"/>
+                </a:srgbClr>
+              </a:gs>
+            </a:gsLst>
+            <a:lin ang="18000000" scaled="0"/>
+          </a:gradFill>
+          <a:ln>
+            <a:noFill/>
+          </a:ln>
+        </p:spPr>
+        <p:style>
+          <a:lnRef idx="2">
+            <a:schemeClr val="accent1">
+              <a:shade val="50000"/>
+            </a:schemeClr>
+          </a:lnRef>
+          <a:fillRef idx="1">
+            <a:schemeClr val="accent1"/>
+          </a:fillRef>
+          <a:effectRef idx="0">
+            <a:schemeClr val="accent1"/>
+          </a:effectRef>
+          <a:fontRef idx="minor">
+            <a:schemeClr val="lt1"/>
+          </a:fontRef>
+        </p:style>
+        <p:txBody>
+          <a:bodyPr rtlCol="0" anchor="ctr"/>
+          <a:lstStyle/>
+          <a:p>
+            <a:pPr algn="ctr"/>
+            <a:endParaRPr lang="en-US" dirty="0"/>
+          </a:p>
+        </p:txBody>
+      </p:sp>
       <p:sp>
         <p:nvSpPr>
           <p:cNvPr id="2" name="Titel 1">
@@ -3358,12 +3675,129 @@
             <p:ph type="ctrTitle"/>
           </p:nvPr>
         </p:nvSpPr>
-        <p:spPr/>
-        <p:txBody>
-          <a:bodyPr/>
-          <a:lstStyle/>
-          <a:p>
-            <a:endParaRPr lang="de-AT"/>
+        <p:spPr>
+          <a:xfrm>
+            <a:off x="1317148" y="559846"/>
+            <a:ext cx="4747280" cy="3098061"/>
+          </a:xfrm>
+        </p:spPr>
+        <p:txBody>
+          <a:bodyPr anchor="b">
+            <a:normAutofit/>
+          </a:bodyPr>
+          <a:lstStyle/>
+          <a:p>
+            <a:pPr algn="l"/>
+            <a:r>
+              <a:rPr lang="de-AT" sz="8000" b="1" i="0" dirty="0" err="1">
+                <a:solidFill>
+                  <a:srgbClr val="FFFFFF"/>
+                </a:solidFill>
+                <a:effectLst/>
+                <a:latin typeface="sofia-pro"/>
+              </a:rPr>
+              <a:t>Linked</a:t>
+            </a:r>
+            <a:r>
+              <a:rPr lang="de-AT" sz="8000" b="1" i="0" dirty="0">
+                <a:solidFill>
+                  <a:srgbClr val="FFFFFF"/>
+                </a:solidFill>
+                <a:effectLst/>
+                <a:latin typeface="sofia-pro"/>
+              </a:rPr>
+              <a:t> List</a:t>
+            </a:r>
+            <a:br>
+              <a:rPr lang="de-AT" sz="4800" b="1" i="0" dirty="0">
+                <a:solidFill>
+                  <a:srgbClr val="FFFFFF"/>
+                </a:solidFill>
+                <a:effectLst/>
+                <a:latin typeface="sofia-pro"/>
+              </a:rPr>
+            </a:br>
+            <a:endParaRPr lang="de-AT" sz="4800" dirty="0">
+              <a:solidFill>
+                <a:srgbClr val="FFFFFF"/>
+              </a:solidFill>
+            </a:endParaRPr>
+          </a:p>
+        </p:txBody>
+      </p:sp>
+      <p:sp>
+        <p:nvSpPr>
+          <p:cNvPr id="81" name="Rectangle 80">
+            <a:extLst>
+              <a:ext uri="{FF2B5EF4-FFF2-40B4-BE49-F238E27FC236}">
+                <a16:creationId xmlns:a16="http://schemas.microsoft.com/office/drawing/2014/main" id="{FC485432-3647-4218-B5D3-15D3FA222B13}"/>
+              </a:ext>
+              <a:ext uri="{C183D7F6-B498-43B3-948B-1728B52AA6E4}">
+                <adec:decorative xmlns:adec="http://schemas.microsoft.com/office/drawing/2017/decorative" val="1"/>
+              </a:ext>
+            </a:extLst>
+          </p:cNvPr>
+          <p:cNvSpPr>
+            <a:spLocks noGrp="1" noRot="1" noChangeAspect="1" noMove="1" noResize="1" noEditPoints="1" noAdjustHandles="1" noChangeArrowheads="1" noChangeShapeType="1" noTextEdit="1"/>
+          </p:cNvSpPr>
+          <p:nvPr>
+            <p:extLst>
+              <p:ext uri="{386F3935-93C4-4BCD-93E2-E3B085C9AB24}">
+                <p16:designElem xmlns:p16="http://schemas.microsoft.com/office/powerpoint/2015/main" val="1"/>
+              </p:ext>
+            </p:extLst>
+          </p:nvPr>
+        </p:nvSpPr>
+        <p:spPr>
+          <a:xfrm rot="16200000">
+            <a:off x="4844797" y="-489206"/>
+            <a:ext cx="2502408" cy="12191998"/>
+          </a:xfrm>
+          <a:prstGeom prst="rect">
+            <a:avLst/>
+          </a:prstGeom>
+          <a:gradFill>
+            <a:gsLst>
+              <a:gs pos="0">
+                <a:schemeClr val="accent1">
+                  <a:alpha val="24000"/>
+                </a:schemeClr>
+              </a:gs>
+              <a:gs pos="78000">
+                <a:schemeClr val="accent1">
+                  <a:lumMod val="50000"/>
+                  <a:alpha val="0"/>
+                </a:schemeClr>
+              </a:gs>
+            </a:gsLst>
+            <a:lin ang="10200000" scaled="0"/>
+          </a:gradFill>
+          <a:ln>
+            <a:noFill/>
+          </a:ln>
+        </p:spPr>
+        <p:style>
+          <a:lnRef idx="2">
+            <a:schemeClr val="accent1">
+              <a:shade val="50000"/>
+            </a:schemeClr>
+          </a:lnRef>
+          <a:fillRef idx="1">
+            <a:schemeClr val="accent1"/>
+          </a:fillRef>
+          <a:effectRef idx="0">
+            <a:schemeClr val="accent1"/>
+          </a:effectRef>
+          <a:fontRef idx="minor">
+            <a:schemeClr val="lt1"/>
+          </a:fontRef>
+        </p:style>
+        <p:txBody>
+          <a:bodyPr rtlCol="0" anchor="ctr"/>
+          <a:lstStyle/>
+          <a:p>
+            <a:pPr algn="ctr"/>
+            <a:endParaRPr lang="en-US"/>
           </a:p>
         </p:txBody>
       </p:sp>
@@ -3383,11 +3817,186 @@
             <p:ph type="subTitle" idx="1"/>
           </p:nvPr>
         </p:nvSpPr>
-        <p:spPr/>
-        <p:txBody>
-          <a:bodyPr/>
-          <a:lstStyle/>
-          <a:p>
+        <p:spPr>
+          <a:xfrm>
+            <a:off x="586588" y="5646630"/>
+            <a:ext cx="6494931" cy="1244483"/>
+          </a:xfrm>
+        </p:spPr>
+        <p:txBody>
+          <a:bodyPr anchor="t">
+            <a:normAutofit/>
+          </a:bodyPr>
+          <a:lstStyle/>
+          <a:p>
+            <a:pPr algn="l"/>
+            <a:r>
+              <a:rPr lang="de-AT" sz="2800" dirty="0">
+                <a:solidFill>
+                  <a:schemeClr val="bg1">
+                    <a:lumMod val="50000"/>
+                  </a:schemeClr>
+                </a:solidFill>
+              </a:rPr>
+              <a:t>Von Jonas Pamminger / Jonas Schönbaß</a:t>
+            </a:r>
+          </a:p>
+        </p:txBody>
+      </p:sp>
+      <p:sp>
+        <p:nvSpPr>
+          <p:cNvPr id="83" name="Oval 82">
+            <a:extLst>
+              <a:ext uri="{FF2B5EF4-FFF2-40B4-BE49-F238E27FC236}">
+                <a16:creationId xmlns:a16="http://schemas.microsoft.com/office/drawing/2014/main" id="{F4AFDDCA-6ABA-4D23-8A5C-1BF0F4308148}"/>
+              </a:ext>
+              <a:ext uri="{C183D7F6-B498-43B3-948B-1728B52AA6E4}">
+                <adec:decorative xmlns:adec="http://schemas.microsoft.com/office/drawing/2017/decorative" val="1"/>
+              </a:ext>
+            </a:extLst>
+          </p:cNvPr>
+          <p:cNvSpPr>
+            <a:spLocks noGrp="1" noRot="1" noChangeAspect="1" noMove="1" noResize="1" noEditPoints="1" noAdjustHandles="1" noChangeArrowheads="1" noChangeShapeType="1" noTextEdit="1"/>
+          </p:cNvSpPr>
+          <p:nvPr>
+            <p:extLst>
+              <p:ext uri="{386F3935-93C4-4BCD-93E2-E3B085C9AB24}">
+                <p16:designElem xmlns:p16="http://schemas.microsoft.com/office/powerpoint/2015/main" val="1"/>
+              </p:ext>
+            </p:extLst>
+          </p:nvPr>
+        </p:nvSpPr>
+        <p:spPr>
+          <a:xfrm>
+            <a:off x="6390589" y="1062544"/>
+            <a:ext cx="4756162" cy="4756162"/>
+          </a:xfrm>
+          <a:prstGeom prst="ellipse">
+            <a:avLst/>
+          </a:prstGeom>
+          <a:solidFill>
+            <a:schemeClr val="bg1"/>
+          </a:solidFill>
+          <a:ln>
+            <a:noFill/>
+          </a:ln>
+        </p:spPr>
+        <p:style>
+          <a:lnRef idx="2">
+            <a:schemeClr val="accent1">
+              <a:shade val="50000"/>
+            </a:schemeClr>
+          </a:lnRef>
+          <a:fillRef idx="1">
+            <a:schemeClr val="accent1"/>
+          </a:fillRef>
+          <a:effectRef idx="0">
+            <a:schemeClr val="accent1"/>
+          </a:effectRef>
+          <a:fontRef idx="minor">
+            <a:schemeClr val="lt1"/>
+          </a:fontRef>
+        </p:style>
+        <p:txBody>
+          <a:bodyPr rtlCol="0" anchor="ctr"/>
+          <a:lstStyle/>
+          <a:p>
+            <a:pPr algn="ctr"/>
+            <a:endParaRPr lang="en-US"/>
+          </a:p>
+        </p:txBody>
+      </p:sp>
+      <p:pic>
+        <p:nvPicPr>
+          <p:cNvPr id="1028" name="Picture 4" descr="Kurs: C Grundlagen, Einführung Präsenz oder Online-Schulung, Training,  Seminar und Ausbildung in Wien und Graz | tecTrain GmbH">
+            <a:extLst>
+              <a:ext uri="{FF2B5EF4-FFF2-40B4-BE49-F238E27FC236}">
+                <a16:creationId xmlns:a16="http://schemas.microsoft.com/office/drawing/2014/main" id="{D8D31970-6600-4065-BD26-51C868F78A69}"/>
+              </a:ext>
+            </a:extLst>
+          </p:cNvPr>
+          <p:cNvPicPr>
+            <a:picLocks noChangeAspect="1" noChangeArrowheads="1"/>
+          </p:cNvPicPr>
+          <p:nvPr/>
+        </p:nvPicPr>
+        <p:blipFill>
+          <a:blip r:embed="rId2">
+            <a:extLst>
+              <a:ext uri="{28A0092B-C50C-407E-A947-70E740481C1C}">
+                <a14:useLocalDpi xmlns:a14="http://schemas.microsoft.com/office/drawing/2010/main" val="0"/>
+              </a:ext>
+            </a:extLst>
+          </a:blip>
+          <a:stretch>
+            <a:fillRect/>
+          </a:stretch>
+        </p:blipFill>
+        <p:spPr bwMode="auto">
+          <a:xfrm>
+            <a:off x="7461874" y="2108877"/>
+            <a:ext cx="2654533" cy="2654533"/>
+          </a:xfrm>
+          <a:prstGeom prst="rect">
+            <a:avLst/>
+          </a:prstGeom>
+          <a:noFill/>
+          <a:extLst>
+            <a:ext uri="{909E8E84-426E-40DD-AFC4-6F175D3DCCD1}">
+              <a14:hiddenFill xmlns:a14="http://schemas.microsoft.com/office/drawing/2010/main">
+                <a:solidFill>
+                  <a:srgbClr val="FFFFFF"/>
+                </a:solidFill>
+              </a14:hiddenFill>
+            </a:ext>
+          </a:extLst>
+        </p:spPr>
+      </p:pic>
+      <p:sp>
+        <p:nvSpPr>
+          <p:cNvPr id="8" name="Rechteck: diagonal liegende Ecken abgeschnitten 7">
+            <a:extLst>
+              <a:ext uri="{FF2B5EF4-FFF2-40B4-BE49-F238E27FC236}">
+                <a16:creationId xmlns:a16="http://schemas.microsoft.com/office/drawing/2014/main" id="{A2C3306A-C937-48AC-9864-2FB6632900C4}"/>
+              </a:ext>
+            </a:extLst>
+          </p:cNvPr>
+          <p:cNvSpPr/>
+          <p:nvPr/>
+        </p:nvSpPr>
+        <p:spPr>
+          <a:xfrm>
+            <a:off x="1422123" y="2743201"/>
+            <a:ext cx="4359551" cy="76200"/>
+          </a:xfrm>
+          <a:prstGeom prst="snip2DiagRect">
+            <a:avLst/>
+          </a:prstGeom>
+          <a:solidFill>
+            <a:schemeClr val="bg1"/>
+          </a:solidFill>
+        </p:spPr>
+        <p:style>
+          <a:lnRef idx="2">
+            <a:schemeClr val="accent1">
+              <a:shade val="50000"/>
+            </a:schemeClr>
+          </a:lnRef>
+          <a:fillRef idx="1">
+            <a:schemeClr val="accent1"/>
+          </a:fillRef>
+          <a:effectRef idx="0">
+            <a:schemeClr val="accent1"/>
+          </a:effectRef>
+          <a:fontRef idx="minor">
+            <a:schemeClr val="lt1"/>
+          </a:fontRef>
+        </p:style>
+        <p:txBody>
+          <a:bodyPr rtlCol="0" anchor="ctr"/>
+          <a:lstStyle/>
+          <a:p>
+            <a:pPr algn="ctr"/>
             <a:endParaRPr lang="de-AT"/>
           </a:p>
         </p:txBody>
@@ -3396,6 +4005,1181 @@
     <p:extLst>
       <p:ext uri="{BB962C8B-B14F-4D97-AF65-F5344CB8AC3E}">
         <p14:creationId xmlns:p14="http://schemas.microsoft.com/office/powerpoint/2010/main" val="193298923"/>
+      </p:ext>
+    </p:extLst>
+  </p:cSld>
+  <p:clrMapOvr>
+    <a:masterClrMapping/>
+  </p:clrMapOvr>
+</p:sld>
+</file>
+
+<file path=ppt/slides/slide2.xml><?xml version="1.0" encoding="utf-8"?>
+<p:sld xmlns:a="http://schemas.openxmlformats.org/drawingml/2006/main" xmlns:r="http://schemas.openxmlformats.org/officeDocument/2006/relationships" xmlns:p="http://schemas.openxmlformats.org/presentationml/2006/main">
+  <p:cSld>
+    <p:bg>
+      <p:bgPr>
+        <a:gradFill>
+          <a:gsLst>
+            <a:gs pos="0">
+              <a:schemeClr val="accent1">
+                <a:lumMod val="50000"/>
+              </a:schemeClr>
+            </a:gs>
+            <a:gs pos="56000">
+              <a:schemeClr val="accent1">
+                <a:lumMod val="45000"/>
+                <a:lumOff val="55000"/>
+              </a:schemeClr>
+            </a:gs>
+            <a:gs pos="83000">
+              <a:schemeClr val="accent1">
+                <a:lumMod val="45000"/>
+                <a:lumOff val="55000"/>
+              </a:schemeClr>
+            </a:gs>
+            <a:gs pos="100000">
+              <a:schemeClr val="accent1">
+                <a:lumMod val="30000"/>
+                <a:lumOff val="70000"/>
+              </a:schemeClr>
+            </a:gs>
+          </a:gsLst>
+          <a:lin ang="5400000" scaled="1"/>
+        </a:gradFill>
+        <a:effectLst/>
+      </p:bgPr>
+    </p:bg>
+    <p:spTree>
+      <p:nvGrpSpPr>
+        <p:cNvPr id="1" name=""/>
+        <p:cNvGrpSpPr/>
+        <p:nvPr/>
+      </p:nvGrpSpPr>
+      <p:grpSpPr>
+        <a:xfrm>
+          <a:off x="0" y="0"/>
+          <a:ext cx="0" cy="0"/>
+          <a:chOff x="0" y="0"/>
+          <a:chExt cx="0" cy="0"/>
+        </a:xfrm>
+      </p:grpSpPr>
+      <p:sp useBgFill="1">
+        <p:nvSpPr>
+          <p:cNvPr id="9" name="Rectangle 8">
+            <a:extLst>
+              <a:ext uri="{FF2B5EF4-FFF2-40B4-BE49-F238E27FC236}">
+                <a16:creationId xmlns:a16="http://schemas.microsoft.com/office/drawing/2014/main" id="{02E612C7-B066-4023-9D0A-7C54D1E33070}"/>
+              </a:ext>
+              <a:ext uri="{C183D7F6-B498-43B3-948B-1728B52AA6E4}">
+                <adec:decorative xmlns:adec="http://schemas.microsoft.com/office/drawing/2017/decorative" val="1"/>
+              </a:ext>
+            </a:extLst>
+          </p:cNvPr>
+          <p:cNvSpPr>
+            <a:spLocks noGrp="1" noRot="1" noChangeAspect="1" noMove="1" noResize="1" noEditPoints="1" noAdjustHandles="1" noChangeArrowheads="1" noChangeShapeType="1" noTextEdit="1"/>
+          </p:cNvSpPr>
+          <p:nvPr>
+            <p:extLst>
+              <p:ext uri="{386F3935-93C4-4BCD-93E2-E3B085C9AB24}">
+                <p16:designElem xmlns:p16="http://schemas.microsoft.com/office/powerpoint/2015/main" val="1"/>
+              </p:ext>
+            </p:extLst>
+          </p:nvPr>
+        </p:nvSpPr>
+        <p:spPr>
+          <a:xfrm>
+            <a:off x="0" y="0"/>
+            <a:ext cx="12192000" cy="6858000"/>
+          </a:xfrm>
+          <a:prstGeom prst="rect">
+            <a:avLst/>
+          </a:prstGeom>
+          <a:ln>
+            <a:noFill/>
+          </a:ln>
+        </p:spPr>
+        <p:style>
+          <a:lnRef idx="2">
+            <a:schemeClr val="accent1">
+              <a:shade val="50000"/>
+            </a:schemeClr>
+          </a:lnRef>
+          <a:fillRef idx="1">
+            <a:schemeClr val="accent1"/>
+          </a:fillRef>
+          <a:effectRef idx="0">
+            <a:schemeClr val="accent1"/>
+          </a:effectRef>
+          <a:fontRef idx="minor">
+            <a:schemeClr val="lt1"/>
+          </a:fontRef>
+        </p:style>
+        <p:txBody>
+          <a:bodyPr rtlCol="0" anchor="ctr"/>
+          <a:lstStyle/>
+          <a:p>
+            <a:pPr algn="ctr"/>
+            <a:endParaRPr lang="en-US"/>
+          </a:p>
+        </p:txBody>
+      </p:sp>
+      <p:sp>
+        <p:nvSpPr>
+          <p:cNvPr id="6" name="Ellipse 5">
+            <a:extLst>
+              <a:ext uri="{FF2B5EF4-FFF2-40B4-BE49-F238E27FC236}">
+                <a16:creationId xmlns:a16="http://schemas.microsoft.com/office/drawing/2014/main" id="{6A386709-09B6-43A2-A186-1082D4F8C47A}"/>
+              </a:ext>
+            </a:extLst>
+          </p:cNvPr>
+          <p:cNvSpPr/>
+          <p:nvPr/>
+        </p:nvSpPr>
+        <p:spPr>
+          <a:xfrm>
+            <a:off x="8968509" y="-424873"/>
+            <a:ext cx="2798618" cy="7712364"/>
+          </a:xfrm>
+          <a:prstGeom prst="ellipse">
+            <a:avLst/>
+          </a:prstGeom>
+          <a:solidFill>
+            <a:schemeClr val="bg1"/>
+          </a:solidFill>
+          <a:ln>
+            <a:solidFill>
+              <a:schemeClr val="bg1"/>
+            </a:solidFill>
+          </a:ln>
+        </p:spPr>
+        <p:style>
+          <a:lnRef idx="2">
+            <a:schemeClr val="accent1">
+              <a:shade val="50000"/>
+            </a:schemeClr>
+          </a:lnRef>
+          <a:fillRef idx="1">
+            <a:schemeClr val="accent1"/>
+          </a:fillRef>
+          <a:effectRef idx="0">
+            <a:schemeClr val="accent1"/>
+          </a:effectRef>
+          <a:fontRef idx="minor">
+            <a:schemeClr val="lt1"/>
+          </a:fontRef>
+        </p:style>
+        <p:txBody>
+          <a:bodyPr rtlCol="0" anchor="ctr"/>
+          <a:lstStyle/>
+          <a:p>
+            <a:pPr algn="ctr"/>
+            <a:endParaRPr lang="de-AT"/>
+          </a:p>
+        </p:txBody>
+      </p:sp>
+      <p:sp>
+        <p:nvSpPr>
+          <p:cNvPr id="2" name="Titel 1">
+            <a:extLst>
+              <a:ext uri="{FF2B5EF4-FFF2-40B4-BE49-F238E27FC236}">
+                <a16:creationId xmlns:a16="http://schemas.microsoft.com/office/drawing/2014/main" id="{77BEF49D-ADBA-4970-9222-A06CD7F6FB5B}"/>
+              </a:ext>
+            </a:extLst>
+          </p:cNvPr>
+          <p:cNvSpPr>
+            <a:spLocks noGrp="1"/>
+          </p:cNvSpPr>
+          <p:nvPr>
+            <p:ph type="title"/>
+          </p:nvPr>
+        </p:nvSpPr>
+        <p:spPr>
+          <a:xfrm>
+            <a:off x="1463040" y="0"/>
+            <a:ext cx="4094922" cy="2135576"/>
+          </a:xfrm>
+        </p:spPr>
+        <p:txBody>
+          <a:bodyPr anchor="b">
+            <a:normAutofit/>
+          </a:bodyPr>
+          <a:lstStyle/>
+          <a:p>
+            <a:r>
+              <a:rPr lang="de-AT" sz="5000" dirty="0">
+                <a:solidFill>
+                  <a:schemeClr val="bg1"/>
+                </a:solidFill>
+              </a:rPr>
+              <a:t>Übersicht</a:t>
+            </a:r>
+            <a:r>
+              <a:rPr lang="de-AT" sz="5000" dirty="0">
+                <a:solidFill>
+                  <a:schemeClr val="tx1">
+                    <a:lumMod val="85000"/>
+                    <a:lumOff val="15000"/>
+                  </a:schemeClr>
+                </a:solidFill>
+              </a:rPr>
+              <a:t> </a:t>
+            </a:r>
+          </a:p>
+        </p:txBody>
+      </p:sp>
+      <p:sp>
+        <p:nvSpPr>
+          <p:cNvPr id="3" name="Inhaltsplatzhalter 2">
+            <a:extLst>
+              <a:ext uri="{FF2B5EF4-FFF2-40B4-BE49-F238E27FC236}">
+                <a16:creationId xmlns:a16="http://schemas.microsoft.com/office/drawing/2014/main" id="{9FC38E35-308B-40F7-B1FA-6ED86FCF35CD}"/>
+              </a:ext>
+            </a:extLst>
+          </p:cNvPr>
+          <p:cNvSpPr>
+            <a:spLocks noGrp="1"/>
+          </p:cNvSpPr>
+          <p:nvPr>
+            <p:ph idx="1"/>
+          </p:nvPr>
+        </p:nvSpPr>
+        <p:spPr>
+          <a:xfrm>
+            <a:off x="1038167" y="4084332"/>
+            <a:ext cx="4094922" cy="2931510"/>
+          </a:xfrm>
+        </p:spPr>
+        <p:txBody>
+          <a:bodyPr>
+            <a:normAutofit/>
+          </a:bodyPr>
+          <a:lstStyle/>
+          <a:p>
+            <a:r>
+              <a:rPr lang="de-AT" dirty="0">
+                <a:solidFill>
+                  <a:schemeClr val="tx1">
+                    <a:lumMod val="85000"/>
+                    <a:lumOff val="15000"/>
+                  </a:schemeClr>
+                </a:solidFill>
+              </a:rPr>
+              <a:t>Allgemein</a:t>
+            </a:r>
+          </a:p>
+          <a:p>
+            <a:r>
+              <a:rPr lang="de-AT" dirty="0"/>
+              <a:t>Programmier-Beispiel </a:t>
+            </a:r>
+            <a:endParaRPr lang="de-AT" dirty="0">
+              <a:solidFill>
+                <a:schemeClr val="tx1">
+                  <a:lumMod val="85000"/>
+                  <a:lumOff val="15000"/>
+                </a:schemeClr>
+              </a:solidFill>
+            </a:endParaRPr>
+          </a:p>
+        </p:txBody>
+      </p:sp>
+      <p:sp>
+        <p:nvSpPr>
+          <p:cNvPr id="11" name="Freeform: Shape 10">
+            <a:extLst>
+              <a:ext uri="{FF2B5EF4-FFF2-40B4-BE49-F238E27FC236}">
+                <a16:creationId xmlns:a16="http://schemas.microsoft.com/office/drawing/2014/main" id="{34CFA7DE-DC24-4883-9E7E-83830575519A}"/>
+              </a:ext>
+              <a:ext uri="{C183D7F6-B498-43B3-948B-1728B52AA6E4}">
+                <adec:decorative xmlns:adec="http://schemas.microsoft.com/office/drawing/2017/decorative" val="1"/>
+              </a:ext>
+            </a:extLst>
+          </p:cNvPr>
+          <p:cNvSpPr>
+            <a:spLocks noGrp="1" noRot="1" noChangeAspect="1" noMove="1" noResize="1" noEditPoints="1" noAdjustHandles="1" noChangeArrowheads="1" noChangeShapeType="1" noTextEdit="1"/>
+          </p:cNvSpPr>
+          <p:nvPr>
+            <p:extLst>
+              <p:ext uri="{386F3935-93C4-4BCD-93E2-E3B085C9AB24}">
+                <p16:designElem xmlns:p16="http://schemas.microsoft.com/office/powerpoint/2015/main" val="1"/>
+              </p:ext>
+            </p:extLst>
+          </p:nvPr>
+        </p:nvSpPr>
+        <p:spPr>
+          <a:xfrm>
+            <a:off x="6096000" y="0"/>
+            <a:ext cx="2472664" cy="6858000"/>
+          </a:xfrm>
+          <a:custGeom>
+            <a:avLst/>
+            <a:gdLst>
+              <a:gd name="connsiteX0" fmla="*/ 1056708 w 2472664"/>
+              <a:gd name="connsiteY0" fmla="*/ 0 h 6858000"/>
+              <a:gd name="connsiteX1" fmla="*/ 2472664 w 2472664"/>
+              <a:gd name="connsiteY1" fmla="*/ 0 h 6858000"/>
+              <a:gd name="connsiteX2" fmla="*/ 2400427 w 2472664"/>
+              <a:gd name="connsiteY2" fmla="*/ 75768 h 6858000"/>
+              <a:gd name="connsiteX3" fmla="*/ 1104861 w 2472664"/>
+              <a:gd name="connsiteY3" fmla="*/ 3429000 h 6858000"/>
+              <a:gd name="connsiteX4" fmla="*/ 2400427 w 2472664"/>
+              <a:gd name="connsiteY4" fmla="*/ 6782233 h 6858000"/>
+              <a:gd name="connsiteX5" fmla="*/ 2472664 w 2472664"/>
+              <a:gd name="connsiteY5" fmla="*/ 6858000 h 6858000"/>
+              <a:gd name="connsiteX6" fmla="*/ 1056708 w 2472664"/>
+              <a:gd name="connsiteY6" fmla="*/ 6858000 h 6858000"/>
+              <a:gd name="connsiteX7" fmla="*/ 1040416 w 2472664"/>
+              <a:gd name="connsiteY7" fmla="*/ 6835090 h 6858000"/>
+              <a:gd name="connsiteX8" fmla="*/ 0 w 2472664"/>
+              <a:gd name="connsiteY8" fmla="*/ 3429000 h 6858000"/>
+              <a:gd name="connsiteX9" fmla="*/ 1040416 w 2472664"/>
+              <a:gd name="connsiteY9" fmla="*/ 22911 h 6858000"/>
+            </a:gdLst>
+            <a:ahLst/>
+            <a:cxnLst>
+              <a:cxn ang="0">
+                <a:pos x="connsiteX0" y="connsiteY0"/>
+              </a:cxn>
+              <a:cxn ang="0">
+                <a:pos x="connsiteX1" y="connsiteY1"/>
+              </a:cxn>
+              <a:cxn ang="0">
+                <a:pos x="connsiteX2" y="connsiteY2"/>
+              </a:cxn>
+              <a:cxn ang="0">
+                <a:pos x="connsiteX3" y="connsiteY3"/>
+              </a:cxn>
+              <a:cxn ang="0">
+                <a:pos x="connsiteX4" y="connsiteY4"/>
+              </a:cxn>
+              <a:cxn ang="0">
+                <a:pos x="connsiteX5" y="connsiteY5"/>
+              </a:cxn>
+              <a:cxn ang="0">
+                <a:pos x="connsiteX6" y="connsiteY6"/>
+              </a:cxn>
+              <a:cxn ang="0">
+                <a:pos x="connsiteX7" y="connsiteY7"/>
+              </a:cxn>
+              <a:cxn ang="0">
+                <a:pos x="connsiteX8" y="connsiteY8"/>
+              </a:cxn>
+              <a:cxn ang="0">
+                <a:pos x="connsiteX9" y="connsiteY9"/>
+              </a:cxn>
+            </a:cxnLst>
+            <a:rect l="l" t="t" r="r" b="b"/>
+            <a:pathLst>
+              <a:path w="2472664" h="6858000">
+                <a:moveTo>
+                  <a:pt x="1056708" y="0"/>
+                </a:moveTo>
+                <a:lnTo>
+                  <a:pt x="2472664" y="0"/>
+                </a:lnTo>
+                <a:lnTo>
+                  <a:pt x="2400427" y="75768"/>
+                </a:lnTo>
+                <a:cubicBezTo>
+                  <a:pt x="1595469" y="961418"/>
+                  <a:pt x="1104861" y="2137915"/>
+                  <a:pt x="1104861" y="3429000"/>
+                </a:cubicBezTo>
+                <a:cubicBezTo>
+                  <a:pt x="1104861" y="4720086"/>
+                  <a:pt x="1595469" y="5896583"/>
+                  <a:pt x="2400427" y="6782233"/>
+                </a:cubicBezTo>
+                <a:lnTo>
+                  <a:pt x="2472664" y="6858000"/>
+                </a:lnTo>
+                <a:lnTo>
+                  <a:pt x="1056708" y="6858000"/>
+                </a:lnTo>
+                <a:lnTo>
+                  <a:pt x="1040416" y="6835090"/>
+                </a:lnTo>
+                <a:cubicBezTo>
+                  <a:pt x="383551" y="5862802"/>
+                  <a:pt x="0" y="4690693"/>
+                  <a:pt x="0" y="3429000"/>
+                </a:cubicBezTo>
+                <a:cubicBezTo>
+                  <a:pt x="0" y="2167308"/>
+                  <a:pt x="383551" y="995199"/>
+                  <a:pt x="1040416" y="22911"/>
+                </a:cubicBezTo>
+                <a:close/>
+              </a:path>
+            </a:pathLst>
+          </a:custGeom>
+          <a:solidFill>
+            <a:schemeClr val="accent6">
+              <a:alpha val="90000"/>
+            </a:schemeClr>
+          </a:solidFill>
+          <a:ln>
+            <a:noFill/>
+          </a:ln>
+        </p:spPr>
+        <p:style>
+          <a:lnRef idx="2">
+            <a:schemeClr val="accent1">
+              <a:shade val="50000"/>
+            </a:schemeClr>
+          </a:lnRef>
+          <a:fillRef idx="1">
+            <a:schemeClr val="accent1"/>
+          </a:fillRef>
+          <a:effectRef idx="0">
+            <a:schemeClr val="accent1"/>
+          </a:effectRef>
+          <a:fontRef idx="minor">
+            <a:schemeClr val="lt1"/>
+          </a:fontRef>
+        </p:style>
+        <p:txBody>
+          <a:bodyPr wrap="square" rtlCol="0" anchor="ctr">
+            <a:noAutofit/>
+          </a:bodyPr>
+          <a:lstStyle/>
+          <a:p>
+            <a:pPr algn="ctr"/>
+            <a:endParaRPr lang="en-US"/>
+          </a:p>
+        </p:txBody>
+      </p:sp>
+      <p:pic>
+        <p:nvPicPr>
+          <p:cNvPr id="18" name="Grafik 17">
+            <a:extLst>
+              <a:ext uri="{FF2B5EF4-FFF2-40B4-BE49-F238E27FC236}">
+                <a16:creationId xmlns:a16="http://schemas.microsoft.com/office/drawing/2014/main" id="{ED68B27A-F7C9-40F5-A0F9-6AA3A075B7E2}"/>
+              </a:ext>
+            </a:extLst>
+          </p:cNvPr>
+          <p:cNvPicPr>
+            <a:picLocks noChangeAspect="1"/>
+          </p:cNvPicPr>
+          <p:nvPr/>
+        </p:nvPicPr>
+        <p:blipFill>
+          <a:blip r:embed="rId2"/>
+          <a:stretch>
+            <a:fillRect/>
+          </a:stretch>
+        </p:blipFill>
+        <p:spPr>
+          <a:xfrm>
+            <a:off x="9729016" y="0"/>
+            <a:ext cx="1214980" cy="6858000"/>
+          </a:xfrm>
+          <a:prstGeom prst="rect">
+            <a:avLst/>
+          </a:prstGeom>
+        </p:spPr>
+      </p:pic>
+      <p:sp>
+        <p:nvSpPr>
+          <p:cNvPr id="5" name="Mond 4">
+            <a:extLst>
+              <a:ext uri="{FF2B5EF4-FFF2-40B4-BE49-F238E27FC236}">
+                <a16:creationId xmlns:a16="http://schemas.microsoft.com/office/drawing/2014/main" id="{FC3E3D15-DEAA-43BC-9CA5-C88F2A2A1F30}"/>
+              </a:ext>
+            </a:extLst>
+          </p:cNvPr>
+          <p:cNvSpPr/>
+          <p:nvPr/>
+        </p:nvSpPr>
+        <p:spPr>
+          <a:xfrm>
+            <a:off x="5557962" y="-836481"/>
+            <a:ext cx="4001674" cy="8530961"/>
+          </a:xfrm>
+          <a:prstGeom prst="moon">
+            <a:avLst>
+              <a:gd name="adj" fmla="val 44076"/>
+            </a:avLst>
+          </a:prstGeom>
+          <a:solidFill>
+            <a:schemeClr val="accent1">
+              <a:lumMod val="75000"/>
+            </a:schemeClr>
+          </a:solidFill>
+        </p:spPr>
+        <p:style>
+          <a:lnRef idx="2">
+            <a:schemeClr val="accent1">
+              <a:shade val="50000"/>
+            </a:schemeClr>
+          </a:lnRef>
+          <a:fillRef idx="1">
+            <a:schemeClr val="accent1"/>
+          </a:fillRef>
+          <a:effectRef idx="0">
+            <a:schemeClr val="accent1"/>
+          </a:effectRef>
+          <a:fontRef idx="minor">
+            <a:schemeClr val="lt1"/>
+          </a:fontRef>
+        </p:style>
+        <p:txBody>
+          <a:bodyPr rtlCol="0" anchor="ctr"/>
+          <a:lstStyle/>
+          <a:p>
+            <a:pPr algn="ctr"/>
+            <a:endParaRPr lang="de-AT"/>
+          </a:p>
+        </p:txBody>
+      </p:sp>
+    </p:spTree>
+    <p:extLst>
+      <p:ext uri="{BB962C8B-B14F-4D97-AF65-F5344CB8AC3E}">
+        <p14:creationId xmlns:p14="http://schemas.microsoft.com/office/powerpoint/2010/main" val="3937320769"/>
+      </p:ext>
+    </p:extLst>
+  </p:cSld>
+  <p:clrMapOvr>
+    <a:masterClrMapping/>
+  </p:clrMapOvr>
+</p:sld>
+</file>
+
+<file path=ppt/slides/slide3.xml><?xml version="1.0" encoding="utf-8"?>
+<p:sld xmlns:a="http://schemas.openxmlformats.org/drawingml/2006/main" xmlns:r="http://schemas.openxmlformats.org/officeDocument/2006/relationships" xmlns:p="http://schemas.openxmlformats.org/presentationml/2006/main">
+  <p:cSld>
+    <p:bg>
+      <p:bgPr>
+        <a:gradFill>
+          <a:gsLst>
+            <a:gs pos="0">
+              <a:schemeClr val="accent1">
+                <a:lumMod val="75000"/>
+              </a:schemeClr>
+            </a:gs>
+            <a:gs pos="56000">
+              <a:schemeClr val="accent1">
+                <a:lumMod val="45000"/>
+                <a:lumOff val="55000"/>
+              </a:schemeClr>
+            </a:gs>
+            <a:gs pos="83000">
+              <a:schemeClr val="accent1">
+                <a:lumMod val="45000"/>
+                <a:lumOff val="55000"/>
+              </a:schemeClr>
+            </a:gs>
+            <a:gs pos="100000">
+              <a:schemeClr val="accent1">
+                <a:lumMod val="30000"/>
+                <a:lumOff val="70000"/>
+              </a:schemeClr>
+            </a:gs>
+          </a:gsLst>
+          <a:lin ang="5400000" scaled="1"/>
+        </a:gradFill>
+        <a:effectLst/>
+      </p:bgPr>
+    </p:bg>
+    <p:spTree>
+      <p:nvGrpSpPr>
+        <p:cNvPr id="1" name=""/>
+        <p:cNvGrpSpPr/>
+        <p:nvPr/>
+      </p:nvGrpSpPr>
+      <p:grpSpPr>
+        <a:xfrm>
+          <a:off x="0" y="0"/>
+          <a:ext cx="0" cy="0"/>
+          <a:chOff x="0" y="0"/>
+          <a:chExt cx="0" cy="0"/>
+        </a:xfrm>
+      </p:grpSpPr>
+      <p:sp>
+        <p:nvSpPr>
+          <p:cNvPr id="2" name="Titel 1">
+            <a:extLst>
+              <a:ext uri="{FF2B5EF4-FFF2-40B4-BE49-F238E27FC236}">
+                <a16:creationId xmlns:a16="http://schemas.microsoft.com/office/drawing/2014/main" id="{EA3F960D-B4D3-423E-8BB2-F2AE8C01B885}"/>
+              </a:ext>
+            </a:extLst>
+          </p:cNvPr>
+          <p:cNvSpPr>
+            <a:spLocks noGrp="1"/>
+          </p:cNvSpPr>
+          <p:nvPr>
+            <p:ph type="title"/>
+          </p:nvPr>
+        </p:nvSpPr>
+        <p:spPr/>
+        <p:txBody>
+          <a:bodyPr>
+            <a:normAutofit/>
+          </a:bodyPr>
+          <a:lstStyle/>
+          <a:p>
+            <a:r>
+              <a:rPr lang="de-AT" sz="5000" dirty="0">
+                <a:solidFill>
+                  <a:schemeClr val="bg1"/>
+                </a:solidFill>
+              </a:rPr>
+              <a:t>Allgemein</a:t>
+            </a:r>
+          </a:p>
+        </p:txBody>
+      </p:sp>
+      <p:sp>
+        <p:nvSpPr>
+          <p:cNvPr id="3" name="Inhaltsplatzhalter 2">
+            <a:extLst>
+              <a:ext uri="{FF2B5EF4-FFF2-40B4-BE49-F238E27FC236}">
+                <a16:creationId xmlns:a16="http://schemas.microsoft.com/office/drawing/2014/main" id="{BD16071D-85DE-433F-97F2-F408B5A91902}"/>
+              </a:ext>
+            </a:extLst>
+          </p:cNvPr>
+          <p:cNvSpPr>
+            <a:spLocks noGrp="1"/>
+          </p:cNvSpPr>
+          <p:nvPr>
+            <p:ph idx="1"/>
+          </p:nvPr>
+        </p:nvSpPr>
+        <p:spPr/>
+        <p:txBody>
+          <a:bodyPr/>
+          <a:lstStyle/>
+          <a:p>
+            <a:r>
+              <a:rPr lang="de-AT" dirty="0"/>
+              <a:t>Dynamische Datenstrukturen</a:t>
+            </a:r>
+          </a:p>
+          <a:p>
+            <a:r>
+              <a:rPr lang="de-AT" dirty="0"/>
+              <a:t>Sehr flexibel </a:t>
+            </a:r>
+          </a:p>
+          <a:p>
+            <a:r>
+              <a:rPr lang="de-AT" dirty="0"/>
+              <a:t>Große Vorteile gegenüber Arrays </a:t>
+            </a:r>
+          </a:p>
+          <a:p>
+            <a:pPr lvl="1"/>
+            <a:r>
+              <a:rPr lang="de-AT" dirty="0"/>
+              <a:t>Kein max.</a:t>
+            </a:r>
+          </a:p>
+          <a:p>
+            <a:pPr lvl="1"/>
+            <a:r>
+              <a:rPr lang="de-AT" dirty="0"/>
+              <a:t>Speicher Ausnutzung </a:t>
+            </a:r>
+          </a:p>
+          <a:p>
+            <a:r>
+              <a:rPr lang="de-AT" dirty="0"/>
+              <a:t>Mehr Verwaltungsaufwand </a:t>
+            </a:r>
+          </a:p>
+          <a:p>
+            <a:endParaRPr lang="de-AT" dirty="0"/>
+          </a:p>
+          <a:p>
+            <a:endParaRPr lang="de-AT" dirty="0"/>
+          </a:p>
+        </p:txBody>
+      </p:sp>
+      <p:pic>
+        <p:nvPicPr>
+          <p:cNvPr id="10" name="Grafik 9" descr="Ein Bild, das Text enthält.&#10;&#10;Automatisch generierte Beschreibung">
+            <a:extLst>
+              <a:ext uri="{FF2B5EF4-FFF2-40B4-BE49-F238E27FC236}">
+                <a16:creationId xmlns:a16="http://schemas.microsoft.com/office/drawing/2014/main" id="{3FF51050-F5BE-4C78-A3C5-EB9DAE854FF2}"/>
+              </a:ext>
+            </a:extLst>
+          </p:cNvPr>
+          <p:cNvPicPr>
+            <a:picLocks noChangeAspect="1"/>
+          </p:cNvPicPr>
+          <p:nvPr/>
+        </p:nvPicPr>
+        <p:blipFill>
+          <a:blip r:embed="rId2">
+            <a:extLst>
+              <a:ext uri="{28A0092B-C50C-407E-A947-70E740481C1C}">
+                <a14:useLocalDpi xmlns:a14="http://schemas.microsoft.com/office/drawing/2010/main" val="0"/>
+              </a:ext>
+            </a:extLst>
+          </a:blip>
+          <a:stretch>
+            <a:fillRect/>
+          </a:stretch>
+        </p:blipFill>
+        <p:spPr>
+          <a:xfrm>
+            <a:off x="6475806" y="756423"/>
+            <a:ext cx="5052792" cy="5052792"/>
+          </a:xfrm>
+          <a:prstGeom prst="rect">
+            <a:avLst/>
+          </a:prstGeom>
+        </p:spPr>
+      </p:pic>
+    </p:spTree>
+    <p:extLst>
+      <p:ext uri="{BB962C8B-B14F-4D97-AF65-F5344CB8AC3E}">
+        <p14:creationId xmlns:p14="http://schemas.microsoft.com/office/powerpoint/2010/main" val="1982350913"/>
+      </p:ext>
+    </p:extLst>
+  </p:cSld>
+  <p:clrMapOvr>
+    <a:masterClrMapping/>
+  </p:clrMapOvr>
+</p:sld>
+</file>
+
+<file path=ppt/slides/slide4.xml><?xml version="1.0" encoding="utf-8"?>
+<p:sld xmlns:a="http://schemas.openxmlformats.org/drawingml/2006/main" xmlns:r="http://schemas.openxmlformats.org/officeDocument/2006/relationships" xmlns:p="http://schemas.openxmlformats.org/presentationml/2006/main">
+  <p:cSld>
+    <p:bg>
+      <p:bgPr>
+        <a:gradFill>
+          <a:gsLst>
+            <a:gs pos="0">
+              <a:schemeClr val="accent1">
+                <a:lumMod val="75000"/>
+              </a:schemeClr>
+            </a:gs>
+            <a:gs pos="56000">
+              <a:schemeClr val="accent1">
+                <a:lumMod val="45000"/>
+                <a:lumOff val="55000"/>
+              </a:schemeClr>
+            </a:gs>
+            <a:gs pos="83000">
+              <a:schemeClr val="accent1">
+                <a:lumMod val="45000"/>
+                <a:lumOff val="55000"/>
+              </a:schemeClr>
+            </a:gs>
+            <a:gs pos="100000">
+              <a:schemeClr val="accent1">
+                <a:lumMod val="30000"/>
+                <a:lumOff val="70000"/>
+              </a:schemeClr>
+            </a:gs>
+          </a:gsLst>
+          <a:lin ang="5400000" scaled="1"/>
+        </a:gradFill>
+        <a:effectLst/>
+      </p:bgPr>
+    </p:bg>
+    <p:spTree>
+      <p:nvGrpSpPr>
+        <p:cNvPr id="1" name=""/>
+        <p:cNvGrpSpPr/>
+        <p:nvPr/>
+      </p:nvGrpSpPr>
+      <p:grpSpPr>
+        <a:xfrm>
+          <a:off x="0" y="0"/>
+          <a:ext cx="0" cy="0"/>
+          <a:chOff x="0" y="0"/>
+          <a:chExt cx="0" cy="0"/>
+        </a:xfrm>
+      </p:grpSpPr>
+      <p:sp>
+        <p:nvSpPr>
+          <p:cNvPr id="2" name="Titel 1">
+            <a:extLst>
+              <a:ext uri="{FF2B5EF4-FFF2-40B4-BE49-F238E27FC236}">
+                <a16:creationId xmlns:a16="http://schemas.microsoft.com/office/drawing/2014/main" id="{66D46CA1-94D2-4304-B9B6-2E1C39989845}"/>
+              </a:ext>
+            </a:extLst>
+          </p:cNvPr>
+          <p:cNvSpPr>
+            <a:spLocks noGrp="1"/>
+          </p:cNvSpPr>
+          <p:nvPr>
+            <p:ph type="title"/>
+          </p:nvPr>
+        </p:nvSpPr>
+        <p:spPr/>
+        <p:txBody>
+          <a:bodyPr>
+            <a:normAutofit/>
+          </a:bodyPr>
+          <a:lstStyle/>
+          <a:p>
+            <a:r>
+              <a:rPr lang="de-AT" sz="5000">
+                <a:solidFill>
+                  <a:schemeClr val="bg1"/>
+                </a:solidFill>
+              </a:rPr>
+              <a:t>Programmier-Beispiel </a:t>
+            </a:r>
+            <a:endParaRPr lang="de-AT" sz="5000" dirty="0">
+              <a:solidFill>
+                <a:schemeClr val="bg1"/>
+              </a:solidFill>
+            </a:endParaRPr>
+          </a:p>
+        </p:txBody>
+      </p:sp>
+      <p:pic>
+        <p:nvPicPr>
+          <p:cNvPr id="4" name="Inhaltsplatzhalter 3" descr="Ein Bild, das Text enthält.&#10;&#10;Automatisch generierte Beschreibung">
+            <a:extLst>
+              <a:ext uri="{FF2B5EF4-FFF2-40B4-BE49-F238E27FC236}">
+                <a16:creationId xmlns:a16="http://schemas.microsoft.com/office/drawing/2014/main" id="{48684D26-322E-470E-997E-149BDCB586F8}"/>
+              </a:ext>
+            </a:extLst>
+          </p:cNvPr>
+          <p:cNvPicPr>
+            <a:picLocks noGrp="1" noChangeAspect="1"/>
+          </p:cNvPicPr>
+          <p:nvPr>
+            <p:ph idx="1"/>
+          </p:nvPr>
+        </p:nvPicPr>
+        <p:blipFill>
+          <a:blip r:embed="rId2">
+            <a:extLst>
+              <a:ext uri="{28A0092B-C50C-407E-A947-70E740481C1C}">
+                <a14:useLocalDpi xmlns:a14="http://schemas.microsoft.com/office/drawing/2010/main" val="0"/>
+              </a:ext>
+            </a:extLst>
+          </a:blip>
+          <a:stretch>
+            <a:fillRect/>
+          </a:stretch>
+        </p:blipFill>
+        <p:spPr>
+          <a:xfrm>
+            <a:off x="723902" y="2179222"/>
+            <a:ext cx="6457949" cy="4244490"/>
+          </a:xfrm>
+          <a:prstGeom prst="rect">
+            <a:avLst/>
+          </a:prstGeom>
+        </p:spPr>
+      </p:pic>
+      <p:sp>
+        <p:nvSpPr>
+          <p:cNvPr id="5" name="Ellipse 4">
+            <a:extLst>
+              <a:ext uri="{FF2B5EF4-FFF2-40B4-BE49-F238E27FC236}">
+                <a16:creationId xmlns:a16="http://schemas.microsoft.com/office/drawing/2014/main" id="{651918B5-37B8-4A33-B0EA-5877D7267D36}"/>
+              </a:ext>
+            </a:extLst>
+          </p:cNvPr>
+          <p:cNvSpPr/>
+          <p:nvPr/>
+        </p:nvSpPr>
+        <p:spPr>
+          <a:xfrm>
+            <a:off x="8004036" y="2179222"/>
+            <a:ext cx="2880000" cy="2880000"/>
+          </a:xfrm>
+          <a:prstGeom prst="ellipse">
+            <a:avLst/>
+          </a:prstGeom>
+          <a:solidFill>
+            <a:schemeClr val="bg1"/>
+          </a:solidFill>
+          <a:ln>
+            <a:solidFill>
+              <a:schemeClr val="bg1"/>
+            </a:solidFill>
+          </a:ln>
+        </p:spPr>
+        <p:style>
+          <a:lnRef idx="2">
+            <a:schemeClr val="accent1">
+              <a:shade val="50000"/>
+            </a:schemeClr>
+          </a:lnRef>
+          <a:fillRef idx="1">
+            <a:schemeClr val="accent1"/>
+          </a:fillRef>
+          <a:effectRef idx="0">
+            <a:schemeClr val="accent1"/>
+          </a:effectRef>
+          <a:fontRef idx="minor">
+            <a:schemeClr val="lt1"/>
+          </a:fontRef>
+        </p:style>
+        <p:txBody>
+          <a:bodyPr rtlCol="0" anchor="ctr"/>
+          <a:lstStyle/>
+          <a:p>
+            <a:pPr algn="ctr"/>
+            <a:endParaRPr lang="de-AT">
+              <a:ln>
+                <a:solidFill>
+                  <a:schemeClr val="bg1"/>
+                </a:solidFill>
+              </a:ln>
+              <a:solidFill>
+                <a:schemeClr val="bg1"/>
+              </a:solidFill>
+            </a:endParaRPr>
+          </a:p>
+        </p:txBody>
+      </p:sp>
+      <p:pic>
+        <p:nvPicPr>
+          <p:cNvPr id="2050" name="Picture 2" descr="Schreibtisch Mit Einem Computer Oder Arbeitsplatz Im Büro, Das Eigenhändig  Gezeichnet Wird, Kritzeln Art Auch Im Corel Abgehobene Stock Abbildung -  Illustration von hand, gläser: 67399864">
+            <a:extLst>
+              <a:ext uri="{FF2B5EF4-FFF2-40B4-BE49-F238E27FC236}">
+                <a16:creationId xmlns:a16="http://schemas.microsoft.com/office/drawing/2014/main" id="{CDD92271-ABCD-4AC0-9597-D27218C53FA3}"/>
+              </a:ext>
+            </a:extLst>
+          </p:cNvPr>
+          <p:cNvPicPr>
+            <a:picLocks noChangeAspect="1" noChangeArrowheads="1"/>
+          </p:cNvPicPr>
+          <p:nvPr/>
+        </p:nvPicPr>
+        <p:blipFill>
+          <a:blip r:embed="rId3">
+            <a:extLst>
+              <a:ext uri="{28A0092B-C50C-407E-A947-70E740481C1C}">
+                <a14:useLocalDpi xmlns:a14="http://schemas.microsoft.com/office/drawing/2010/main" val="0"/>
+              </a:ext>
+            </a:extLst>
+          </a:blip>
+          <a:srcRect/>
+          <a:stretch>
+            <a:fillRect/>
+          </a:stretch>
+        </p:blipFill>
+        <p:spPr bwMode="auto">
+          <a:xfrm>
+            <a:off x="8239124" y="2379247"/>
+            <a:ext cx="2409825" cy="2409825"/>
+          </a:xfrm>
+          <a:prstGeom prst="rect">
+            <a:avLst/>
+          </a:prstGeom>
+          <a:noFill/>
+          <a:extLst>
+            <a:ext uri="{909E8E84-426E-40DD-AFC4-6F175D3DCCD1}">
+              <a14:hiddenFill xmlns:a14="http://schemas.microsoft.com/office/drawing/2010/main">
+                <a:solidFill>
+                  <a:srgbClr val="FFFFFF"/>
+                </a:solidFill>
+              </a14:hiddenFill>
+            </a:ext>
+          </a:extLst>
+        </p:spPr>
+      </p:pic>
+    </p:spTree>
+    <p:extLst>
+      <p:ext uri="{BB962C8B-B14F-4D97-AF65-F5344CB8AC3E}">
+        <p14:creationId xmlns:p14="http://schemas.microsoft.com/office/powerpoint/2010/main" val="2416143764"/>
+      </p:ext>
+    </p:extLst>
+  </p:cSld>
+  <p:clrMapOvr>
+    <a:masterClrMapping/>
+  </p:clrMapOvr>
+</p:sld>
+</file>
+
+<file path=ppt/slides/slide5.xml><?xml version="1.0" encoding="utf-8"?>
+<p:sld xmlns:a="http://schemas.openxmlformats.org/drawingml/2006/main" xmlns:r="http://schemas.openxmlformats.org/officeDocument/2006/relationships" xmlns:p="http://schemas.openxmlformats.org/presentationml/2006/main">
+  <p:cSld>
+    <p:bg>
+      <p:bgPr>
+        <a:gradFill>
+          <a:gsLst>
+            <a:gs pos="0">
+              <a:schemeClr val="accent1">
+                <a:lumMod val="75000"/>
+              </a:schemeClr>
+            </a:gs>
+            <a:gs pos="56000">
+              <a:schemeClr val="accent1">
+                <a:lumMod val="45000"/>
+                <a:lumOff val="55000"/>
+              </a:schemeClr>
+            </a:gs>
+            <a:gs pos="83000">
+              <a:schemeClr val="accent1">
+                <a:lumMod val="45000"/>
+                <a:lumOff val="55000"/>
+              </a:schemeClr>
+            </a:gs>
+            <a:gs pos="100000">
+              <a:schemeClr val="accent1">
+                <a:lumMod val="30000"/>
+                <a:lumOff val="70000"/>
+              </a:schemeClr>
+            </a:gs>
+          </a:gsLst>
+          <a:lin ang="5400000" scaled="1"/>
+        </a:gradFill>
+        <a:effectLst/>
+      </p:bgPr>
+    </p:bg>
+    <p:spTree>
+      <p:nvGrpSpPr>
+        <p:cNvPr id="1" name=""/>
+        <p:cNvGrpSpPr/>
+        <p:nvPr/>
+      </p:nvGrpSpPr>
+      <p:grpSpPr>
+        <a:xfrm>
+          <a:off x="0" y="0"/>
+          <a:ext cx="0" cy="0"/>
+          <a:chOff x="0" y="0"/>
+          <a:chExt cx="0" cy="0"/>
+        </a:xfrm>
+      </p:grpSpPr>
+      <p:sp>
+        <p:nvSpPr>
+          <p:cNvPr id="2" name="Titel 1">
+            <a:extLst>
+              <a:ext uri="{FF2B5EF4-FFF2-40B4-BE49-F238E27FC236}">
+                <a16:creationId xmlns:a16="http://schemas.microsoft.com/office/drawing/2014/main" id="{1710FDD3-2690-4003-A2A5-0002778420EE}"/>
+              </a:ext>
+            </a:extLst>
+          </p:cNvPr>
+          <p:cNvSpPr>
+            <a:spLocks noGrp="1"/>
+          </p:cNvSpPr>
+          <p:nvPr>
+            <p:ph type="title"/>
+          </p:nvPr>
+        </p:nvSpPr>
+        <p:spPr>
+          <a:xfrm>
+            <a:off x="742949" y="4512252"/>
+            <a:ext cx="10515600" cy="1325563"/>
+          </a:xfrm>
+        </p:spPr>
+        <p:txBody>
+          <a:bodyPr>
+            <a:normAutofit/>
+          </a:bodyPr>
+          <a:lstStyle/>
+          <a:p>
+            <a:r>
+              <a:rPr lang="de-AT" sz="6000" dirty="0">
+                <a:solidFill>
+                  <a:schemeClr val="bg1"/>
+                </a:solidFill>
+              </a:rPr>
+              <a:t> </a:t>
+            </a:r>
+          </a:p>
+        </p:txBody>
+      </p:sp>
+      <p:pic>
+        <p:nvPicPr>
+          <p:cNvPr id="5" name="Inhaltsplatzhalter 4">
+            <a:extLst>
+              <a:ext uri="{FF2B5EF4-FFF2-40B4-BE49-F238E27FC236}">
+                <a16:creationId xmlns:a16="http://schemas.microsoft.com/office/drawing/2014/main" id="{8041E26F-9828-4E9A-A937-999C37E427B0}"/>
+              </a:ext>
+            </a:extLst>
+          </p:cNvPr>
+          <p:cNvPicPr>
+            <a:picLocks noGrp="1" noChangeAspect="1"/>
+          </p:cNvPicPr>
+          <p:nvPr>
+            <p:ph idx="1"/>
+          </p:nvPr>
+        </p:nvPicPr>
+        <p:blipFill rotWithShape="1">
+          <a:blip r:embed="rId2">
+            <a:extLst>
+              <a:ext uri="{28A0092B-C50C-407E-A947-70E740481C1C}">
+                <a14:useLocalDpi xmlns:a14="http://schemas.microsoft.com/office/drawing/2010/main" val="0"/>
+              </a:ext>
+            </a:extLst>
+          </a:blip>
+          <a:srcRect t="15431" b="16040"/>
+          <a:stretch/>
+        </p:blipFill>
+        <p:spPr>
+          <a:xfrm>
+            <a:off x="5672136" y="3029717"/>
+            <a:ext cx="5586413" cy="3894958"/>
+          </a:xfrm>
+        </p:spPr>
+      </p:pic>
+      <p:pic>
+        <p:nvPicPr>
+          <p:cNvPr id="7" name="Grafik 6">
+            <a:extLst>
+              <a:ext uri="{FF2B5EF4-FFF2-40B4-BE49-F238E27FC236}">
+                <a16:creationId xmlns:a16="http://schemas.microsoft.com/office/drawing/2014/main" id="{CBAECA07-341D-4B76-BB73-F5911FFDC8CC}"/>
+              </a:ext>
+            </a:extLst>
+          </p:cNvPr>
+          <p:cNvPicPr>
+            <a:picLocks noChangeAspect="1"/>
+          </p:cNvPicPr>
+          <p:nvPr/>
+        </p:nvPicPr>
+        <p:blipFill rotWithShape="1">
+          <a:blip r:embed="rId3"/>
+          <a:srcRect r="11111"/>
+          <a:stretch/>
+        </p:blipFill>
+        <p:spPr>
+          <a:xfrm>
+            <a:off x="1849717" y="478248"/>
+            <a:ext cx="8670479" cy="2551469"/>
+          </a:xfrm>
+          <a:prstGeom prst="rect">
+            <a:avLst/>
+          </a:prstGeom>
+        </p:spPr>
+      </p:pic>
+      <p:pic>
+        <p:nvPicPr>
+          <p:cNvPr id="9" name="Grafik 8">
+            <a:extLst>
+              <a:ext uri="{FF2B5EF4-FFF2-40B4-BE49-F238E27FC236}">
+                <a16:creationId xmlns:a16="http://schemas.microsoft.com/office/drawing/2014/main" id="{1B63C7F5-7C33-4CAC-BD1D-F798DCDC2014}"/>
+              </a:ext>
+            </a:extLst>
+          </p:cNvPr>
+          <p:cNvPicPr>
+            <a:picLocks noChangeAspect="1"/>
+          </p:cNvPicPr>
+          <p:nvPr/>
+        </p:nvPicPr>
+        <p:blipFill rotWithShape="1">
+          <a:blip r:embed="rId3"/>
+          <a:srcRect l="92130"/>
+          <a:stretch/>
+        </p:blipFill>
+        <p:spPr>
+          <a:xfrm>
+            <a:off x="1355589" y="478248"/>
+            <a:ext cx="519924" cy="2551469"/>
+          </a:xfrm>
+          <a:prstGeom prst="rect">
+            <a:avLst/>
+          </a:prstGeom>
+        </p:spPr>
+      </p:pic>
+    </p:spTree>
+    <p:extLst>
+      <p:ext uri="{BB962C8B-B14F-4D97-AF65-F5344CB8AC3E}">
+        <p14:creationId xmlns:p14="http://schemas.microsoft.com/office/powerpoint/2010/main" val="854675871"/>
       </p:ext>
     </p:extLst>
   </p:cSld>

--- a/Präsentation.pptx
+++ b/Präsentation.pptx
@@ -3966,8 +3966,8 @@
         </p:nvSpPr>
         <p:spPr>
           <a:xfrm>
-            <a:off x="1422123" y="2743201"/>
-            <a:ext cx="4359551" cy="76200"/>
+            <a:off x="1431636" y="2743200"/>
+            <a:ext cx="4341091" cy="83127"/>
           </a:xfrm>
           <a:prstGeom prst="snip2DiagRect">
             <a:avLst/>
@@ -4246,7 +4246,7 @@
         </p:nvSpPr>
         <p:spPr>
           <a:xfrm>
-            <a:off x="1038167" y="4084332"/>
+            <a:off x="1038167" y="3256670"/>
             <a:ext cx="4094922" cy="2931510"/>
           </a:xfrm>
         </p:spPr>
@@ -4257,14 +4257,7 @@
           <a:lstStyle/>
           <a:p>
             <a:r>
-              <a:rPr lang="de-AT" dirty="0">
-                <a:solidFill>
-                  <a:schemeClr val="tx1">
-                    <a:lumMod val="85000"/>
-                    <a:lumOff val="15000"/>
-                  </a:schemeClr>
-                </a:solidFill>
-              </a:rPr>
+              <a:rPr lang="de-AT" dirty="0"/>
               <a:t>Allgemein</a:t>
             </a:r>
           </a:p>
@@ -4273,14 +4266,6 @@
               <a:rPr lang="de-AT" dirty="0"/>
               <a:t>Programmier-Beispiel </a:t>
             </a:r>
-            <a:endParaRPr lang="de-AT" dirty="0">
-              <a:solidFill>
-                <a:schemeClr val="tx1">
-                  <a:lumMod val="85000"/>
-                  <a:lumOff val="15000"/>
-                </a:schemeClr>
-              </a:solidFill>
-            </a:endParaRPr>
           </a:p>
         </p:txBody>
       </p:sp>

--- a/Präsentation.pptx
+++ b/Präsentation.pptx
@@ -4011,6 +4011,9 @@
   <p:clrMapOvr>
     <a:masterClrMapping/>
   </p:clrMapOvr>
+  <p:transition spd="slow">
+    <p:cover/>
+  </p:transition>
 </p:sld>
 </file>
 
@@ -4528,6 +4531,9 @@
   <p:clrMapOvr>
     <a:masterClrMapping/>
   </p:clrMapOvr>
+  <p:transition spd="med">
+    <p:pull/>
+  </p:transition>
 </p:sld>
 </file>
 
@@ -4727,6 +4733,9 @@
   <p:clrMapOvr>
     <a:masterClrMapping/>
   </p:clrMapOvr>
+  <p:transition spd="med">
+    <p:pull/>
+  </p:transition>
 </p:sld>
 </file>
 
@@ -4977,6 +4986,9 @@
   <p:clrMapOvr>
     <a:masterClrMapping/>
   </p:clrMapOvr>
+  <p:transition spd="med">
+    <p:pull/>
+  </p:transition>
 </p:sld>
 </file>
 
@@ -5171,6 +5183,9 @@
   <p:clrMapOvr>
     <a:masterClrMapping/>
   </p:clrMapOvr>
+  <p:transition spd="med">
+    <p:pull/>
+  </p:transition>
 </p:sld>
 </file>
 

--- a/Präsentation.pptx
+++ b/Präsentation.pptx
@@ -9,7 +9,9 @@
     <p:sldId id="257" r:id="rId3"/>
     <p:sldId id="259" r:id="rId4"/>
     <p:sldId id="261" r:id="rId5"/>
-    <p:sldId id="260" r:id="rId6"/>
+    <p:sldId id="263" r:id="rId6"/>
+    <p:sldId id="262" r:id="rId7"/>
+    <p:sldId id="260" r:id="rId8"/>
   </p:sldIdLst>
   <p:sldSz cx="12192000" cy="6858000"/>
   <p:notesSz cx="6858000" cy="9144000"/>
@@ -265,7 +267,7 @@
           <a:p>
             <a:fld id="{4DEC6639-9758-4212-B7F8-7D16CE469F06}" type="datetimeFigureOut">
               <a:rPr lang="de-AT" smtClean="0"/>
-              <a:t>26.04.2022</a:t>
+              <a:t>02.05.2022</a:t>
             </a:fld>
             <a:endParaRPr lang="de-AT"/>
           </a:p>
@@ -465,7 +467,7 @@
           <a:p>
             <a:fld id="{4DEC6639-9758-4212-B7F8-7D16CE469F06}" type="datetimeFigureOut">
               <a:rPr lang="de-AT" smtClean="0"/>
-              <a:t>26.04.2022</a:t>
+              <a:t>02.05.2022</a:t>
             </a:fld>
             <a:endParaRPr lang="de-AT"/>
           </a:p>
@@ -675,7 +677,7 @@
           <a:p>
             <a:fld id="{4DEC6639-9758-4212-B7F8-7D16CE469F06}" type="datetimeFigureOut">
               <a:rPr lang="de-AT" smtClean="0"/>
-              <a:t>26.04.2022</a:t>
+              <a:t>02.05.2022</a:t>
             </a:fld>
             <a:endParaRPr lang="de-AT"/>
           </a:p>
@@ -875,7 +877,7 @@
           <a:p>
             <a:fld id="{4DEC6639-9758-4212-B7F8-7D16CE469F06}" type="datetimeFigureOut">
               <a:rPr lang="de-AT" smtClean="0"/>
-              <a:t>26.04.2022</a:t>
+              <a:t>02.05.2022</a:t>
             </a:fld>
             <a:endParaRPr lang="de-AT"/>
           </a:p>
@@ -1151,7 +1153,7 @@
           <a:p>
             <a:fld id="{4DEC6639-9758-4212-B7F8-7D16CE469F06}" type="datetimeFigureOut">
               <a:rPr lang="de-AT" smtClean="0"/>
-              <a:t>26.04.2022</a:t>
+              <a:t>02.05.2022</a:t>
             </a:fld>
             <a:endParaRPr lang="de-AT"/>
           </a:p>
@@ -1419,7 +1421,7 @@
           <a:p>
             <a:fld id="{4DEC6639-9758-4212-B7F8-7D16CE469F06}" type="datetimeFigureOut">
               <a:rPr lang="de-AT" smtClean="0"/>
-              <a:t>26.04.2022</a:t>
+              <a:t>02.05.2022</a:t>
             </a:fld>
             <a:endParaRPr lang="de-AT"/>
           </a:p>
@@ -1834,7 +1836,7 @@
           <a:p>
             <a:fld id="{4DEC6639-9758-4212-B7F8-7D16CE469F06}" type="datetimeFigureOut">
               <a:rPr lang="de-AT" smtClean="0"/>
-              <a:t>26.04.2022</a:t>
+              <a:t>02.05.2022</a:t>
             </a:fld>
             <a:endParaRPr lang="de-AT"/>
           </a:p>
@@ -1976,7 +1978,7 @@
           <a:p>
             <a:fld id="{4DEC6639-9758-4212-B7F8-7D16CE469F06}" type="datetimeFigureOut">
               <a:rPr lang="de-AT" smtClean="0"/>
-              <a:t>26.04.2022</a:t>
+              <a:t>02.05.2022</a:t>
             </a:fld>
             <a:endParaRPr lang="de-AT"/>
           </a:p>
@@ -2089,7 +2091,7 @@
           <a:p>
             <a:fld id="{4DEC6639-9758-4212-B7F8-7D16CE469F06}" type="datetimeFigureOut">
               <a:rPr lang="de-AT" smtClean="0"/>
-              <a:t>26.04.2022</a:t>
+              <a:t>02.05.2022</a:t>
             </a:fld>
             <a:endParaRPr lang="de-AT"/>
           </a:p>
@@ -2402,7 +2404,7 @@
           <a:p>
             <a:fld id="{4DEC6639-9758-4212-B7F8-7D16CE469F06}" type="datetimeFigureOut">
               <a:rPr lang="de-AT" smtClean="0"/>
-              <a:t>26.04.2022</a:t>
+              <a:t>02.05.2022</a:t>
             </a:fld>
             <a:endParaRPr lang="de-AT"/>
           </a:p>
@@ -2691,7 +2693,7 @@
           <a:p>
             <a:fld id="{4DEC6639-9758-4212-B7F8-7D16CE469F06}" type="datetimeFigureOut">
               <a:rPr lang="de-AT" smtClean="0"/>
-              <a:t>26.04.2022</a:t>
+              <a:t>02.05.2022</a:t>
             </a:fld>
             <a:endParaRPr lang="de-AT"/>
           </a:p>
@@ -2934,7 +2936,7 @@
           <a:p>
             <a:fld id="{4DEC6639-9758-4212-B7F8-7D16CE469F06}" type="datetimeFigureOut">
               <a:rPr lang="de-AT" smtClean="0"/>
-              <a:t>26.04.2022</a:t>
+              <a:t>02.05.2022</a:t>
             </a:fld>
             <a:endParaRPr lang="de-AT"/>
           </a:p>
@@ -5047,6 +5049,628 @@
           <p:cNvPr id="2" name="Titel 1">
             <a:extLst>
               <a:ext uri="{FF2B5EF4-FFF2-40B4-BE49-F238E27FC236}">
+                <a16:creationId xmlns:a16="http://schemas.microsoft.com/office/drawing/2014/main" id="{EA3F960D-B4D3-423E-8BB2-F2AE8C01B885}"/>
+              </a:ext>
+            </a:extLst>
+          </p:cNvPr>
+          <p:cNvSpPr>
+            <a:spLocks noGrp="1"/>
+          </p:cNvSpPr>
+          <p:nvPr>
+            <p:ph type="title"/>
+          </p:nvPr>
+        </p:nvSpPr>
+        <p:spPr/>
+        <p:txBody>
+          <a:bodyPr>
+            <a:normAutofit/>
+          </a:bodyPr>
+          <a:lstStyle/>
+          <a:p>
+            <a:r>
+              <a:rPr lang="de-AT" sz="5000" dirty="0">
+                <a:solidFill>
+                  <a:schemeClr val="bg1"/>
+                </a:solidFill>
+              </a:rPr>
+              <a:t>Durchliste iterieren</a:t>
+            </a:r>
+          </a:p>
+        </p:txBody>
+      </p:sp>
+      <p:sp>
+        <p:nvSpPr>
+          <p:cNvPr id="3" name="Inhaltsplatzhalter 2">
+            <a:extLst>
+              <a:ext uri="{FF2B5EF4-FFF2-40B4-BE49-F238E27FC236}">
+                <a16:creationId xmlns:a16="http://schemas.microsoft.com/office/drawing/2014/main" id="{BD16071D-85DE-433F-97F2-F408B5A91902}"/>
+              </a:ext>
+            </a:extLst>
+          </p:cNvPr>
+          <p:cNvSpPr>
+            <a:spLocks noGrp="1"/>
+          </p:cNvSpPr>
+          <p:nvPr>
+            <p:ph idx="1"/>
+          </p:nvPr>
+        </p:nvSpPr>
+        <p:spPr>
+          <a:xfrm>
+            <a:off x="838200" y="1825625"/>
+            <a:ext cx="4802436" cy="4351338"/>
+          </a:xfrm>
+        </p:spPr>
+        <p:txBody>
+          <a:bodyPr/>
+          <a:lstStyle/>
+          <a:p>
+            <a:pPr marL="0" indent="0">
+              <a:buNone/>
+            </a:pPr>
+            <a:endParaRPr lang="de-AT" dirty="0"/>
+          </a:p>
+          <a:p>
+            <a:pPr marL="0" indent="0">
+              <a:buNone/>
+            </a:pPr>
+            <a:endParaRPr lang="de-AT" dirty="0"/>
+          </a:p>
+        </p:txBody>
+      </p:sp>
+      <p:pic>
+        <p:nvPicPr>
+          <p:cNvPr id="5" name="Grafik 4">
+            <a:extLst>
+              <a:ext uri="{FF2B5EF4-FFF2-40B4-BE49-F238E27FC236}">
+                <a16:creationId xmlns:a16="http://schemas.microsoft.com/office/drawing/2014/main" id="{1BC49495-47C8-47A5-AE19-3C7ACD632884}"/>
+              </a:ext>
+            </a:extLst>
+          </p:cNvPr>
+          <p:cNvPicPr>
+            <a:picLocks noChangeAspect="1"/>
+          </p:cNvPicPr>
+          <p:nvPr/>
+        </p:nvPicPr>
+        <p:blipFill>
+          <a:blip r:embed="rId2"/>
+          <a:stretch>
+            <a:fillRect/>
+          </a:stretch>
+        </p:blipFill>
+        <p:spPr>
+          <a:xfrm>
+            <a:off x="2497230" y="2688699"/>
+            <a:ext cx="7197540" cy="2625189"/>
+          </a:xfrm>
+          <a:prstGeom prst="rect">
+            <a:avLst/>
+          </a:prstGeom>
+        </p:spPr>
+      </p:pic>
+      <p:sp>
+        <p:nvSpPr>
+          <p:cNvPr id="6" name="Textfeld 5">
+            <a:extLst>
+              <a:ext uri="{FF2B5EF4-FFF2-40B4-BE49-F238E27FC236}">
+                <a16:creationId xmlns:a16="http://schemas.microsoft.com/office/drawing/2014/main" id="{DE00C010-FBC2-4FA9-92F3-94DBA1FA9AE6}"/>
+              </a:ext>
+            </a:extLst>
+          </p:cNvPr>
+          <p:cNvSpPr txBox="1"/>
+          <p:nvPr/>
+        </p:nvSpPr>
+        <p:spPr>
+          <a:xfrm>
+            <a:off x="8482988" y="1410159"/>
+            <a:ext cx="2985571" cy="528810"/>
+          </a:xfrm>
+          <a:prstGeom prst="rect">
+            <a:avLst/>
+          </a:prstGeom>
+          <a:noFill/>
+        </p:spPr>
+        <p:txBody>
+          <a:bodyPr wrap="square" rtlCol="0">
+            <a:spAutoFit/>
+          </a:bodyPr>
+          <a:lstStyle/>
+          <a:p>
+            <a:r>
+              <a:rPr lang="de-AT" sz="2800" dirty="0"/>
+              <a:t>Startpunkt</a:t>
+            </a:r>
+          </a:p>
+        </p:txBody>
+      </p:sp>
+      <p:sp>
+        <p:nvSpPr>
+          <p:cNvPr id="9" name="Pfeil: nach unten 8">
+            <a:extLst>
+              <a:ext uri="{FF2B5EF4-FFF2-40B4-BE49-F238E27FC236}">
+                <a16:creationId xmlns:a16="http://schemas.microsoft.com/office/drawing/2014/main" id="{9C3DE3F0-AC30-4CC4-AB1D-72E14579EA3E}"/>
+              </a:ext>
+            </a:extLst>
+          </p:cNvPr>
+          <p:cNvSpPr/>
+          <p:nvPr/>
+        </p:nvSpPr>
+        <p:spPr>
+          <a:xfrm rot="3134184">
+            <a:off x="8516040" y="1928545"/>
+            <a:ext cx="627961" cy="749730"/>
+          </a:xfrm>
+          <a:prstGeom prst="downArrow">
+            <a:avLst/>
+          </a:prstGeom>
+        </p:spPr>
+        <p:style>
+          <a:lnRef idx="2">
+            <a:schemeClr val="accent1">
+              <a:shade val="50000"/>
+            </a:schemeClr>
+          </a:lnRef>
+          <a:fillRef idx="1">
+            <a:schemeClr val="accent1"/>
+          </a:fillRef>
+          <a:effectRef idx="0">
+            <a:schemeClr val="accent1"/>
+          </a:effectRef>
+          <a:fontRef idx="minor">
+            <a:schemeClr val="lt1"/>
+          </a:fontRef>
+        </p:style>
+        <p:txBody>
+          <a:bodyPr rtlCol="0" anchor="ctr"/>
+          <a:lstStyle/>
+          <a:p>
+            <a:pPr algn="ctr"/>
+            <a:endParaRPr lang="de-AT"/>
+          </a:p>
+        </p:txBody>
+      </p:sp>
+      <p:sp>
+        <p:nvSpPr>
+          <p:cNvPr id="11" name="Textfeld 10">
+            <a:extLst>
+              <a:ext uri="{FF2B5EF4-FFF2-40B4-BE49-F238E27FC236}">
+                <a16:creationId xmlns:a16="http://schemas.microsoft.com/office/drawing/2014/main" id="{96081ECD-69A8-4955-A258-FF541D56FF66}"/>
+              </a:ext>
+            </a:extLst>
+          </p:cNvPr>
+          <p:cNvSpPr txBox="1"/>
+          <p:nvPr/>
+        </p:nvSpPr>
+        <p:spPr>
+          <a:xfrm>
+            <a:off x="3756752" y="5972586"/>
+            <a:ext cx="7711807" cy="954107"/>
+          </a:xfrm>
+          <a:prstGeom prst="rect">
+            <a:avLst/>
+          </a:prstGeom>
+          <a:noFill/>
+        </p:spPr>
+        <p:txBody>
+          <a:bodyPr wrap="square" rtlCol="0">
+            <a:spAutoFit/>
+          </a:bodyPr>
+          <a:lstStyle/>
+          <a:p>
+            <a:r>
+              <a:rPr lang="de-AT" sz="2800" dirty="0"/>
+              <a:t>Der Konten wird immer auf den nächsten Knoten gesetzt</a:t>
+            </a:r>
+          </a:p>
+        </p:txBody>
+      </p:sp>
+      <p:sp>
+        <p:nvSpPr>
+          <p:cNvPr id="12" name="Pfeil: nach oben 11">
+            <a:extLst>
+              <a:ext uri="{FF2B5EF4-FFF2-40B4-BE49-F238E27FC236}">
+                <a16:creationId xmlns:a16="http://schemas.microsoft.com/office/drawing/2014/main" id="{B25CD33D-6BE3-4C7B-B6E2-3A25BF259411}"/>
+              </a:ext>
+            </a:extLst>
+          </p:cNvPr>
+          <p:cNvSpPr/>
+          <p:nvPr/>
+        </p:nvSpPr>
+        <p:spPr>
+          <a:xfrm>
+            <a:off x="6551366" y="5023692"/>
+            <a:ext cx="748300" cy="782197"/>
+          </a:xfrm>
+          <a:prstGeom prst="upArrow">
+            <a:avLst/>
+          </a:prstGeom>
+        </p:spPr>
+        <p:style>
+          <a:lnRef idx="2">
+            <a:schemeClr val="accent1">
+              <a:shade val="50000"/>
+            </a:schemeClr>
+          </a:lnRef>
+          <a:fillRef idx="1">
+            <a:schemeClr val="accent1"/>
+          </a:fillRef>
+          <a:effectRef idx="0">
+            <a:schemeClr val="accent1"/>
+          </a:effectRef>
+          <a:fontRef idx="minor">
+            <a:schemeClr val="lt1"/>
+          </a:fontRef>
+        </p:style>
+        <p:txBody>
+          <a:bodyPr rtlCol="0" anchor="ctr"/>
+          <a:lstStyle/>
+          <a:p>
+            <a:pPr algn="ctr"/>
+            <a:endParaRPr lang="de-AT"/>
+          </a:p>
+        </p:txBody>
+      </p:sp>
+      <p:sp>
+        <p:nvSpPr>
+          <p:cNvPr id="13" name="Textfeld 12">
+            <a:extLst>
+              <a:ext uri="{FF2B5EF4-FFF2-40B4-BE49-F238E27FC236}">
+                <a16:creationId xmlns:a16="http://schemas.microsoft.com/office/drawing/2014/main" id="{BDE68B08-9C76-42C4-80C3-5A4073257AA3}"/>
+              </a:ext>
+            </a:extLst>
+          </p:cNvPr>
+          <p:cNvSpPr txBox="1"/>
+          <p:nvPr/>
+        </p:nvSpPr>
+        <p:spPr>
+          <a:xfrm>
+            <a:off x="-22589" y="4151534"/>
+            <a:ext cx="2420112" cy="2246769"/>
+          </a:xfrm>
+          <a:prstGeom prst="rect">
+            <a:avLst/>
+          </a:prstGeom>
+          <a:noFill/>
+        </p:spPr>
+        <p:txBody>
+          <a:bodyPr wrap="square" rtlCol="0">
+            <a:spAutoFit/>
+          </a:bodyPr>
+          <a:lstStyle/>
+          <a:p>
+            <a:r>
+              <a:rPr lang="de-AT" sz="2800" dirty="0"/>
+              <a:t>Überprüfung ob man schon die ganze Liste durchgegangen ist</a:t>
+            </a:r>
+          </a:p>
+        </p:txBody>
+      </p:sp>
+      <p:sp>
+        <p:nvSpPr>
+          <p:cNvPr id="14" name="Pfeil: nach rechts 13">
+            <a:extLst>
+              <a:ext uri="{FF2B5EF4-FFF2-40B4-BE49-F238E27FC236}">
+                <a16:creationId xmlns:a16="http://schemas.microsoft.com/office/drawing/2014/main" id="{A345CCBF-380E-4B76-9BDE-EE66620A9979}"/>
+              </a:ext>
+            </a:extLst>
+          </p:cNvPr>
+          <p:cNvSpPr/>
+          <p:nvPr/>
+        </p:nvSpPr>
+        <p:spPr>
+          <a:xfrm rot="19213323">
+            <a:off x="2043102" y="3387988"/>
+            <a:ext cx="1057619" cy="875238"/>
+          </a:xfrm>
+          <a:prstGeom prst="rightArrow">
+            <a:avLst/>
+          </a:prstGeom>
+        </p:spPr>
+        <p:style>
+          <a:lnRef idx="2">
+            <a:schemeClr val="accent1">
+              <a:shade val="50000"/>
+            </a:schemeClr>
+          </a:lnRef>
+          <a:fillRef idx="1">
+            <a:schemeClr val="accent1"/>
+          </a:fillRef>
+          <a:effectRef idx="0">
+            <a:schemeClr val="accent1"/>
+          </a:effectRef>
+          <a:fontRef idx="minor">
+            <a:schemeClr val="lt1"/>
+          </a:fontRef>
+        </p:style>
+        <p:txBody>
+          <a:bodyPr rtlCol="0" anchor="ctr"/>
+          <a:lstStyle/>
+          <a:p>
+            <a:pPr algn="ctr"/>
+            <a:endParaRPr lang="de-AT"/>
+          </a:p>
+        </p:txBody>
+      </p:sp>
+    </p:spTree>
+    <p:extLst>
+      <p:ext uri="{BB962C8B-B14F-4D97-AF65-F5344CB8AC3E}">
+        <p14:creationId xmlns:p14="http://schemas.microsoft.com/office/powerpoint/2010/main" val="1795131477"/>
+      </p:ext>
+    </p:extLst>
+  </p:cSld>
+  <p:clrMapOvr>
+    <a:masterClrMapping/>
+  </p:clrMapOvr>
+  <p:transition spd="med">
+    <p:pull/>
+  </p:transition>
+</p:sld>
+</file>
+
+<file path=ppt/slides/slide6.xml><?xml version="1.0" encoding="utf-8"?>
+<p:sld xmlns:a="http://schemas.openxmlformats.org/drawingml/2006/main" xmlns:r="http://schemas.openxmlformats.org/officeDocument/2006/relationships" xmlns:p="http://schemas.openxmlformats.org/presentationml/2006/main">
+  <p:cSld>
+    <p:bg>
+      <p:bgPr>
+        <a:gradFill>
+          <a:gsLst>
+            <a:gs pos="0">
+              <a:schemeClr val="accent1">
+                <a:lumMod val="75000"/>
+              </a:schemeClr>
+            </a:gs>
+            <a:gs pos="56000">
+              <a:schemeClr val="accent1">
+                <a:lumMod val="45000"/>
+                <a:lumOff val="55000"/>
+              </a:schemeClr>
+            </a:gs>
+            <a:gs pos="83000">
+              <a:schemeClr val="accent1">
+                <a:lumMod val="45000"/>
+                <a:lumOff val="55000"/>
+              </a:schemeClr>
+            </a:gs>
+            <a:gs pos="100000">
+              <a:schemeClr val="accent1">
+                <a:lumMod val="30000"/>
+                <a:lumOff val="70000"/>
+              </a:schemeClr>
+            </a:gs>
+          </a:gsLst>
+          <a:lin ang="5400000" scaled="1"/>
+        </a:gradFill>
+        <a:effectLst/>
+      </p:bgPr>
+    </p:bg>
+    <p:spTree>
+      <p:nvGrpSpPr>
+        <p:cNvPr id="1" name=""/>
+        <p:cNvGrpSpPr/>
+        <p:nvPr/>
+      </p:nvGrpSpPr>
+      <p:grpSpPr>
+        <a:xfrm>
+          <a:off x="0" y="0"/>
+          <a:ext cx="0" cy="0"/>
+          <a:chOff x="0" y="0"/>
+          <a:chExt cx="0" cy="0"/>
+        </a:xfrm>
+      </p:grpSpPr>
+      <p:sp>
+        <p:nvSpPr>
+          <p:cNvPr id="2" name="Titel 1">
+            <a:extLst>
+              <a:ext uri="{FF2B5EF4-FFF2-40B4-BE49-F238E27FC236}">
+                <a16:creationId xmlns:a16="http://schemas.microsoft.com/office/drawing/2014/main" id="{EA3F960D-B4D3-423E-8BB2-F2AE8C01B885}"/>
+              </a:ext>
+            </a:extLst>
+          </p:cNvPr>
+          <p:cNvSpPr>
+            <a:spLocks noGrp="1"/>
+          </p:cNvSpPr>
+          <p:nvPr>
+            <p:ph type="title"/>
+          </p:nvPr>
+        </p:nvSpPr>
+        <p:spPr/>
+        <p:txBody>
+          <a:bodyPr>
+            <a:normAutofit/>
+          </a:bodyPr>
+          <a:lstStyle/>
+          <a:p>
+            <a:r>
+              <a:rPr lang="de-AT" sz="5000" dirty="0">
+                <a:solidFill>
+                  <a:schemeClr val="bg1"/>
+                </a:solidFill>
+              </a:rPr>
+              <a:t>Print List</a:t>
+            </a:r>
+          </a:p>
+        </p:txBody>
+      </p:sp>
+      <p:sp>
+        <p:nvSpPr>
+          <p:cNvPr id="3" name="Inhaltsplatzhalter 2">
+            <a:extLst>
+              <a:ext uri="{FF2B5EF4-FFF2-40B4-BE49-F238E27FC236}">
+                <a16:creationId xmlns:a16="http://schemas.microsoft.com/office/drawing/2014/main" id="{BD16071D-85DE-433F-97F2-F408B5A91902}"/>
+              </a:ext>
+            </a:extLst>
+          </p:cNvPr>
+          <p:cNvSpPr>
+            <a:spLocks noGrp="1"/>
+          </p:cNvSpPr>
+          <p:nvPr>
+            <p:ph idx="1"/>
+          </p:nvPr>
+        </p:nvSpPr>
+        <p:spPr/>
+        <p:txBody>
+          <a:bodyPr/>
+          <a:lstStyle/>
+          <a:p>
+            <a:endParaRPr lang="de-AT" dirty="0"/>
+          </a:p>
+          <a:p>
+            <a:endParaRPr lang="de-AT" dirty="0"/>
+          </a:p>
+          <a:p>
+            <a:endParaRPr lang="de-AT" dirty="0"/>
+          </a:p>
+        </p:txBody>
+      </p:sp>
+      <p:pic>
+        <p:nvPicPr>
+          <p:cNvPr id="5" name="Grafik 4">
+            <a:extLst>
+              <a:ext uri="{FF2B5EF4-FFF2-40B4-BE49-F238E27FC236}">
+                <a16:creationId xmlns:a16="http://schemas.microsoft.com/office/drawing/2014/main" id="{5AC2AFEC-64F5-486C-8D71-EA71E79E422A}"/>
+              </a:ext>
+            </a:extLst>
+          </p:cNvPr>
+          <p:cNvPicPr>
+            <a:picLocks noChangeAspect="1"/>
+          </p:cNvPicPr>
+          <p:nvPr/>
+        </p:nvPicPr>
+        <p:blipFill>
+          <a:blip r:embed="rId2"/>
+          <a:stretch>
+            <a:fillRect/>
+          </a:stretch>
+        </p:blipFill>
+        <p:spPr>
+          <a:xfrm>
+            <a:off x="6096000" y="1989711"/>
+            <a:ext cx="5644868" cy="2878577"/>
+          </a:xfrm>
+          <a:prstGeom prst="rect">
+            <a:avLst/>
+          </a:prstGeom>
+        </p:spPr>
+      </p:pic>
+      <p:sp>
+        <p:nvSpPr>
+          <p:cNvPr id="6" name="Textfeld 5">
+            <a:extLst>
+              <a:ext uri="{FF2B5EF4-FFF2-40B4-BE49-F238E27FC236}">
+                <a16:creationId xmlns:a16="http://schemas.microsoft.com/office/drawing/2014/main" id="{D771B9A0-CE7A-4A42-A481-EE9B6CDB5F77}"/>
+              </a:ext>
+            </a:extLst>
+          </p:cNvPr>
+          <p:cNvSpPr txBox="1"/>
+          <p:nvPr/>
+        </p:nvSpPr>
+        <p:spPr>
+          <a:xfrm>
+            <a:off x="915318" y="1690688"/>
+            <a:ext cx="4450815" cy="2246769"/>
+          </a:xfrm>
+          <a:prstGeom prst="rect">
+            <a:avLst/>
+          </a:prstGeom>
+          <a:noFill/>
+        </p:spPr>
+        <p:txBody>
+          <a:bodyPr wrap="square" rtlCol="0">
+            <a:spAutoFit/>
+          </a:bodyPr>
+          <a:lstStyle/>
+          <a:p>
+            <a:pPr marL="457200" indent="-457200">
+              <a:buFont typeface="Arial" panose="020B0604020202020204" pitchFamily="34" charset="0"/>
+              <a:buChar char="•"/>
+            </a:pPr>
+            <a:r>
+              <a:rPr lang="de-AT" sz="2800" dirty="0"/>
+              <a:t>Die ganze Liste wird ausgegeben</a:t>
+            </a:r>
+          </a:p>
+          <a:p>
+            <a:pPr marL="457200" indent="-457200">
+              <a:buFont typeface="Arial" panose="020B0604020202020204" pitchFamily="34" charset="0"/>
+              <a:buChar char="•"/>
+            </a:pPr>
+            <a:r>
+              <a:rPr lang="de-AT" sz="2800" dirty="0"/>
+              <a:t>Um dies zu können braucht die Methode den Head</a:t>
+            </a:r>
+          </a:p>
+        </p:txBody>
+      </p:sp>
+    </p:spTree>
+    <p:extLst>
+      <p:ext uri="{BB962C8B-B14F-4D97-AF65-F5344CB8AC3E}">
+        <p14:creationId xmlns:p14="http://schemas.microsoft.com/office/powerpoint/2010/main" val="2042679541"/>
+      </p:ext>
+    </p:extLst>
+  </p:cSld>
+  <p:clrMapOvr>
+    <a:masterClrMapping/>
+  </p:clrMapOvr>
+  <p:transition spd="med">
+    <p:pull/>
+  </p:transition>
+</p:sld>
+</file>
+
+<file path=ppt/slides/slide7.xml><?xml version="1.0" encoding="utf-8"?>
+<p:sld xmlns:a="http://schemas.openxmlformats.org/drawingml/2006/main" xmlns:r="http://schemas.openxmlformats.org/officeDocument/2006/relationships" xmlns:p="http://schemas.openxmlformats.org/presentationml/2006/main">
+  <p:cSld>
+    <p:bg>
+      <p:bgPr>
+        <a:gradFill>
+          <a:gsLst>
+            <a:gs pos="0">
+              <a:schemeClr val="accent1">
+                <a:lumMod val="75000"/>
+              </a:schemeClr>
+            </a:gs>
+            <a:gs pos="56000">
+              <a:schemeClr val="accent1">
+                <a:lumMod val="45000"/>
+                <a:lumOff val="55000"/>
+              </a:schemeClr>
+            </a:gs>
+            <a:gs pos="83000">
+              <a:schemeClr val="accent1">
+                <a:lumMod val="45000"/>
+                <a:lumOff val="55000"/>
+              </a:schemeClr>
+            </a:gs>
+            <a:gs pos="100000">
+              <a:schemeClr val="accent1">
+                <a:lumMod val="30000"/>
+                <a:lumOff val="70000"/>
+              </a:schemeClr>
+            </a:gs>
+          </a:gsLst>
+          <a:lin ang="5400000" scaled="1"/>
+        </a:gradFill>
+        <a:effectLst/>
+      </p:bgPr>
+    </p:bg>
+    <p:spTree>
+      <p:nvGrpSpPr>
+        <p:cNvPr id="1" name=""/>
+        <p:cNvGrpSpPr/>
+        <p:nvPr/>
+      </p:nvGrpSpPr>
+      <p:grpSpPr>
+        <a:xfrm>
+          <a:off x="0" y="0"/>
+          <a:ext cx="0" cy="0"/>
+          <a:chOff x="0" y="0"/>
+          <a:chExt cx="0" cy="0"/>
+        </a:xfrm>
+      </p:grpSpPr>
+      <p:sp>
+        <p:nvSpPr>
+          <p:cNvPr id="2" name="Titel 1">
+            <a:extLst>
+              <a:ext uri="{FF2B5EF4-FFF2-40B4-BE49-F238E27FC236}">
                 <a16:creationId xmlns:a16="http://schemas.microsoft.com/office/drawing/2014/main" id="{1710FDD3-2690-4003-A2A5-0002778420EE}"/>
               </a:ext>
             </a:extLst>
